--- a/Support de formation - SFD -vf.PPTX
+++ b/Support de formation - SFD -vf.PPTX
@@ -2780,7 +2780,7 @@
           <p:cNvPr id="2" name="Espace réservé de l'en-tête 1">
             <a:extLst>
               <a:ext uri="{FF2B5EF4-FFF2-40B4-BE49-F238E27FC236}">
-                <a16:creationId xmlns="" xmlns:a16="http://schemas.microsoft.com/office/drawing/2014/main" id="{3F368B05-2D38-44D6-B8DA-599D4A9E42B7}"/>
+                <a16:creationId xmlns:a16="http://schemas.microsoft.com/office/drawing/2014/main" xmlns="" id="{3F368B05-2D38-44D6-B8DA-599D4A9E42B7}"/>
               </a:ext>
             </a:extLst>
           </p:cNvPr>
@@ -2817,7 +2817,7 @@
           <p:cNvPr id="3" name="Espace réservé de la date 2">
             <a:extLst>
               <a:ext uri="{FF2B5EF4-FFF2-40B4-BE49-F238E27FC236}">
-                <a16:creationId xmlns="" xmlns:a16="http://schemas.microsoft.com/office/drawing/2014/main" id="{2681012A-122D-475C-A900-C31EAF4E1915}"/>
+                <a16:creationId xmlns:a16="http://schemas.microsoft.com/office/drawing/2014/main" xmlns="" id="{2681012A-122D-475C-A900-C31EAF4E1915}"/>
               </a:ext>
             </a:extLst>
           </p:cNvPr>
@@ -2847,7 +2847,7 @@
           <a:p>
             <a:fld id="{8A502FC4-2826-4189-9A5A-4802B82D90F9}" type="datetimeFigureOut">
               <a:rPr lang="fr-FR" smtClean="0"/>
-              <a:t>18/03/2021</a:t>
+              <a:t>19/03/2021</a:t>
             </a:fld>
             <a:endParaRPr lang="fr-FR"/>
           </a:p>
@@ -2858,7 +2858,7 @@
           <p:cNvPr id="4" name="Espace réservé du pied de page 3">
             <a:extLst>
               <a:ext uri="{FF2B5EF4-FFF2-40B4-BE49-F238E27FC236}">
-                <a16:creationId xmlns="" xmlns:a16="http://schemas.microsoft.com/office/drawing/2014/main" id="{82554434-9A0E-4261-9D33-B9B86CA7C17D}"/>
+                <a16:creationId xmlns:a16="http://schemas.microsoft.com/office/drawing/2014/main" xmlns="" id="{82554434-9A0E-4261-9D33-B9B86CA7C17D}"/>
               </a:ext>
             </a:extLst>
           </p:cNvPr>
@@ -2895,7 +2895,7 @@
           <p:cNvPr id="5" name="Espace réservé du numéro de diapositive 4">
             <a:extLst>
               <a:ext uri="{FF2B5EF4-FFF2-40B4-BE49-F238E27FC236}">
-                <a16:creationId xmlns="" xmlns:a16="http://schemas.microsoft.com/office/drawing/2014/main" id="{9F980ABD-941E-484C-95AE-BBA0656FBE27}"/>
+                <a16:creationId xmlns:a16="http://schemas.microsoft.com/office/drawing/2014/main" xmlns="" id="{9F980ABD-941E-484C-95AE-BBA0656FBE27}"/>
               </a:ext>
             </a:extLst>
           </p:cNvPr>
@@ -3025,7 +3025,7 @@
           <a:p>
             <a:fld id="{9AEA84B2-E620-4EFC-AE95-6DDE4155F805}" type="datetimeFigureOut">
               <a:rPr lang="fr-FR" noProof="0" smtClean="0"/>
-              <a:t>18/03/2021</a:t>
+              <a:t>19/03/2021</a:t>
             </a:fld>
             <a:endParaRPr lang="fr-FR" noProof="0"/>
           </a:p>
@@ -3742,7 +3742,7 @@
           <a:noFill/>
           <a:extLst>
             <a:ext uri="{909E8E84-426E-40dd-AFC4-6F175D3DCCD1}">
-              <a14:hiddenFill xmlns:a14="http://schemas.microsoft.com/office/drawing/2010/main" xmlns="">
+              <a14:hiddenFill xmlns="" xmlns:a14="http://schemas.microsoft.com/office/drawing/2010/main">
                 <a:solidFill>
                   <a:srgbClr val="FFFFFF"/>
                 </a:solidFill>
@@ -3801,7 +3801,7 @@
             </a:ln>
             <a:extLst>
               <a:ext uri="{91240B29-F687-4f45-9708-019B960494DF}">
-                <a14:hiddenLine xmlns:a14="http://schemas.microsoft.com/office/drawing/2010/main" xmlns="" w="9525">
+                <a14:hiddenLine xmlns="" xmlns:a14="http://schemas.microsoft.com/office/drawing/2010/main" w="9525">
                   <a:solidFill>
                     <a:srgbClr val="000000"/>
                   </a:solidFill>
@@ -3891,7 +3891,7 @@
             </a:ln>
             <a:extLst>
               <a:ext uri="{91240B29-F687-4f45-9708-019B960494DF}">
-                <a14:hiddenLine xmlns:a14="http://schemas.microsoft.com/office/drawing/2010/main" xmlns="" w="9525">
+                <a14:hiddenLine xmlns="" xmlns:a14="http://schemas.microsoft.com/office/drawing/2010/main" w="9525">
                   <a:solidFill>
                     <a:srgbClr val="000000"/>
                   </a:solidFill>
@@ -3981,7 +3981,7 @@
             </a:ln>
             <a:extLst>
               <a:ext uri="{91240B29-F687-4f45-9708-019B960494DF}">
-                <a14:hiddenLine xmlns:a14="http://schemas.microsoft.com/office/drawing/2010/main" xmlns="" w="9525">
+                <a14:hiddenLine xmlns="" xmlns:a14="http://schemas.microsoft.com/office/drawing/2010/main" w="9525">
                   <a:solidFill>
                     <a:srgbClr val="000000"/>
                   </a:solidFill>
@@ -4015,7 +4015,7 @@
             </a:ln>
             <a:extLst>
               <a:ext uri="{91240B29-F687-4f45-9708-019B960494DF}">
-                <a14:hiddenLine xmlns:a14="http://schemas.microsoft.com/office/drawing/2010/main" xmlns="" w="9525">
+                <a14:hiddenLine xmlns="" xmlns:a14="http://schemas.microsoft.com/office/drawing/2010/main" w="9525">
                   <a:solidFill>
                     <a:srgbClr val="000000"/>
                   </a:solidFill>
@@ -4105,7 +4105,7 @@
             </a:ln>
             <a:extLst>
               <a:ext uri="{91240B29-F687-4f45-9708-019B960494DF}">
-                <a14:hiddenLine xmlns:a14="http://schemas.microsoft.com/office/drawing/2010/main" xmlns="" w="9525">
+                <a14:hiddenLine xmlns="" xmlns:a14="http://schemas.microsoft.com/office/drawing/2010/main" w="9525">
                   <a:solidFill>
                     <a:srgbClr val="000000"/>
                   </a:solidFill>
@@ -4167,7 +4167,7 @@
             </a:ln>
             <a:extLst>
               <a:ext uri="{91240B29-F687-4f45-9708-019B960494DF}">
-                <a14:hiddenLine xmlns:a14="http://schemas.microsoft.com/office/drawing/2010/main" xmlns="" w="9525">
+                <a14:hiddenLine xmlns="" xmlns:a14="http://schemas.microsoft.com/office/drawing/2010/main" w="9525">
                   <a:solidFill>
                     <a:srgbClr val="000000"/>
                   </a:solidFill>
@@ -4229,7 +4229,7 @@
             </a:ln>
             <a:extLst>
               <a:ext uri="{91240B29-F687-4f45-9708-019B960494DF}">
-                <a14:hiddenLine xmlns:a14="http://schemas.microsoft.com/office/drawing/2010/main" xmlns="" w="9525">
+                <a14:hiddenLine xmlns="" xmlns:a14="http://schemas.microsoft.com/office/drawing/2010/main" w="9525">
                   <a:solidFill>
                     <a:srgbClr val="000000"/>
                   </a:solidFill>
@@ -4319,7 +4319,7 @@
             </a:ln>
             <a:extLst>
               <a:ext uri="{91240B29-F687-4f45-9708-019B960494DF}">
-                <a14:hiddenLine xmlns:a14="http://schemas.microsoft.com/office/drawing/2010/main" xmlns="" w="9525">
+                <a14:hiddenLine xmlns="" xmlns:a14="http://schemas.microsoft.com/office/drawing/2010/main" w="9525">
                   <a:solidFill>
                     <a:srgbClr val="000000"/>
                   </a:solidFill>
@@ -4381,7 +4381,7 @@
             </a:ln>
             <a:extLst>
               <a:ext uri="{91240B29-F687-4f45-9708-019B960494DF}">
-                <a14:hiddenLine xmlns:a14="http://schemas.microsoft.com/office/drawing/2010/main" xmlns="" w="9525">
+                <a14:hiddenLine xmlns="" xmlns:a14="http://schemas.microsoft.com/office/drawing/2010/main" w="9525">
                   <a:solidFill>
                     <a:srgbClr val="000000"/>
                   </a:solidFill>
@@ -4443,7 +4443,7 @@
             </a:ln>
             <a:extLst>
               <a:ext uri="{91240B29-F687-4f45-9708-019B960494DF}">
-                <a14:hiddenLine xmlns:a14="http://schemas.microsoft.com/office/drawing/2010/main" xmlns="" w="9525">
+                <a14:hiddenLine xmlns="" xmlns:a14="http://schemas.microsoft.com/office/drawing/2010/main" w="9525">
                   <a:solidFill>
                     <a:srgbClr val="000000"/>
                   </a:solidFill>
@@ -4533,7 +4533,7 @@
             </a:ln>
             <a:extLst>
               <a:ext uri="{91240B29-F687-4f45-9708-019B960494DF}">
-                <a14:hiddenLine xmlns:a14="http://schemas.microsoft.com/office/drawing/2010/main" xmlns="" w="9525">
+                <a14:hiddenLine xmlns="" xmlns:a14="http://schemas.microsoft.com/office/drawing/2010/main" w="9525">
                   <a:solidFill>
                     <a:srgbClr val="000000"/>
                   </a:solidFill>
@@ -4623,7 +4623,7 @@
             </a:ln>
             <a:extLst>
               <a:ext uri="{91240B29-F687-4f45-9708-019B960494DF}">
-                <a14:hiddenLine xmlns:a14="http://schemas.microsoft.com/office/drawing/2010/main" xmlns="" w="9525">
+                <a14:hiddenLine xmlns="" xmlns:a14="http://schemas.microsoft.com/office/drawing/2010/main" w="9525">
                   <a:solidFill>
                     <a:srgbClr val="000000"/>
                   </a:solidFill>
@@ -4685,7 +4685,7 @@
             </a:ln>
             <a:extLst>
               <a:ext uri="{91240B29-F687-4f45-9708-019B960494DF}">
-                <a14:hiddenLine xmlns:a14="http://schemas.microsoft.com/office/drawing/2010/main" xmlns="" w="9525">
+                <a14:hiddenLine xmlns="" xmlns:a14="http://schemas.microsoft.com/office/drawing/2010/main" w="9525">
                   <a:solidFill>
                     <a:srgbClr val="000000"/>
                   </a:solidFill>
@@ -4795,7 +4795,7 @@
             </a:ln>
             <a:extLst>
               <a:ext uri="{91240B29-F687-4f45-9708-019B960494DF}">
-                <a14:hiddenLine xmlns:a14="http://schemas.microsoft.com/office/drawing/2010/main" xmlns="" w="9525">
+                <a14:hiddenLine xmlns="" xmlns:a14="http://schemas.microsoft.com/office/drawing/2010/main" w="9525">
                   <a:solidFill>
                     <a:srgbClr val="000000"/>
                   </a:solidFill>
@@ -4857,7 +4857,7 @@
             </a:ln>
             <a:extLst>
               <a:ext uri="{91240B29-F687-4f45-9708-019B960494DF}">
-                <a14:hiddenLine xmlns:a14="http://schemas.microsoft.com/office/drawing/2010/main" xmlns="" w="9525">
+                <a14:hiddenLine xmlns="" xmlns:a14="http://schemas.microsoft.com/office/drawing/2010/main" w="9525">
                   <a:solidFill>
                     <a:srgbClr val="000000"/>
                   </a:solidFill>
@@ -4947,7 +4947,7 @@
             </a:ln>
             <a:extLst>
               <a:ext uri="{91240B29-F687-4f45-9708-019B960494DF}">
-                <a14:hiddenLine xmlns:a14="http://schemas.microsoft.com/office/drawing/2010/main" xmlns="" w="9525">
+                <a14:hiddenLine xmlns="" xmlns:a14="http://schemas.microsoft.com/office/drawing/2010/main" w="9525">
                   <a:solidFill>
                     <a:srgbClr val="000000"/>
                   </a:solidFill>
@@ -5037,7 +5037,7 @@
             </a:ln>
             <a:extLst>
               <a:ext uri="{91240B29-F687-4f45-9708-019B960494DF}">
-                <a14:hiddenLine xmlns:a14="http://schemas.microsoft.com/office/drawing/2010/main" xmlns="" w="9525">
+                <a14:hiddenLine xmlns="" xmlns:a14="http://schemas.microsoft.com/office/drawing/2010/main" w="9525">
                   <a:solidFill>
                     <a:srgbClr val="000000"/>
                   </a:solidFill>
@@ -5099,7 +5099,7 @@
             </a:ln>
             <a:extLst>
               <a:ext uri="{91240B29-F687-4f45-9708-019B960494DF}">
-                <a14:hiddenLine xmlns:a14="http://schemas.microsoft.com/office/drawing/2010/main" xmlns="" w="9525">
+                <a14:hiddenLine xmlns="" xmlns:a14="http://schemas.microsoft.com/office/drawing/2010/main" w="9525">
                   <a:solidFill>
                     <a:srgbClr val="000000"/>
                   </a:solidFill>
@@ -5189,7 +5189,7 @@
             </a:ln>
             <a:extLst>
               <a:ext uri="{91240B29-F687-4f45-9708-019B960494DF}">
-                <a14:hiddenLine xmlns:a14="http://schemas.microsoft.com/office/drawing/2010/main" xmlns="" w="9525">
+                <a14:hiddenLine xmlns="" xmlns:a14="http://schemas.microsoft.com/office/drawing/2010/main" w="9525">
                   <a:solidFill>
                     <a:srgbClr val="000000"/>
                   </a:solidFill>
@@ -5279,7 +5279,7 @@
             </a:ln>
             <a:extLst>
               <a:ext uri="{91240B29-F687-4f45-9708-019B960494DF}">
-                <a14:hiddenLine xmlns:a14="http://schemas.microsoft.com/office/drawing/2010/main" xmlns="" w="9525">
+                <a14:hiddenLine xmlns="" xmlns:a14="http://schemas.microsoft.com/office/drawing/2010/main" w="9525">
                   <a:solidFill>
                     <a:srgbClr val="000000"/>
                   </a:solidFill>
@@ -5335,7 +5335,7 @@
             </a:ln>
             <a:extLst>
               <a:ext uri="{91240B29-F687-4f45-9708-019B960494DF}">
-                <a14:hiddenLine xmlns:a14="http://schemas.microsoft.com/office/drawing/2010/main" xmlns="" w="9525">
+                <a14:hiddenLine xmlns="" xmlns:a14="http://schemas.microsoft.com/office/drawing/2010/main" w="9525">
                   <a:solidFill>
                     <a:srgbClr val="000000"/>
                   </a:solidFill>
@@ -5425,7 +5425,7 @@
             </a:ln>
             <a:extLst>
               <a:ext uri="{91240B29-F687-4f45-9708-019B960494DF}">
-                <a14:hiddenLine xmlns:a14="http://schemas.microsoft.com/office/drawing/2010/main" xmlns="" w="9525">
+                <a14:hiddenLine xmlns="" xmlns:a14="http://schemas.microsoft.com/office/drawing/2010/main" w="9525">
                   <a:solidFill>
                     <a:srgbClr val="000000"/>
                   </a:solidFill>
@@ -5481,7 +5481,7 @@
             </a:ln>
             <a:extLst>
               <a:ext uri="{91240B29-F687-4f45-9708-019B960494DF}">
-                <a14:hiddenLine xmlns:a14="http://schemas.microsoft.com/office/drawing/2010/main" xmlns="" w="9525">
+                <a14:hiddenLine xmlns="" xmlns:a14="http://schemas.microsoft.com/office/drawing/2010/main" w="9525">
                   <a:solidFill>
                     <a:srgbClr val="000000"/>
                   </a:solidFill>
@@ -5571,7 +5571,7 @@
             </a:ln>
             <a:extLst>
               <a:ext uri="{91240B29-F687-4f45-9708-019B960494DF}">
-                <a14:hiddenLine xmlns:a14="http://schemas.microsoft.com/office/drawing/2010/main" xmlns="" w="9525">
+                <a14:hiddenLine xmlns="" xmlns:a14="http://schemas.microsoft.com/office/drawing/2010/main" w="9525">
                   <a:solidFill>
                     <a:srgbClr val="000000"/>
                   </a:solidFill>
@@ -5639,7 +5639,7 @@
             </a:ln>
             <a:extLst>
               <a:ext uri="{91240B29-F687-4f45-9708-019B960494DF}">
-                <a14:hiddenLine xmlns:a14="http://schemas.microsoft.com/office/drawing/2010/main" xmlns="" w="9525">
+                <a14:hiddenLine xmlns="" xmlns:a14="http://schemas.microsoft.com/office/drawing/2010/main" w="9525">
                   <a:solidFill>
                     <a:srgbClr val="000000"/>
                   </a:solidFill>
@@ -5729,7 +5729,7 @@
             </a:ln>
             <a:extLst>
               <a:ext uri="{91240B29-F687-4f45-9708-019B960494DF}">
-                <a14:hiddenLine xmlns:a14="http://schemas.microsoft.com/office/drawing/2010/main" xmlns="" w="9525">
+                <a14:hiddenLine xmlns="" xmlns:a14="http://schemas.microsoft.com/office/drawing/2010/main" w="9525">
                   <a:solidFill>
                     <a:srgbClr val="000000"/>
                   </a:solidFill>
@@ -5797,7 +5797,7 @@
             </a:ln>
             <a:extLst>
               <a:ext uri="{91240B29-F687-4f45-9708-019B960494DF}">
-                <a14:hiddenLine xmlns:a14="http://schemas.microsoft.com/office/drawing/2010/main" xmlns="" w="9525">
+                <a14:hiddenLine xmlns="" xmlns:a14="http://schemas.microsoft.com/office/drawing/2010/main" w="9525">
                   <a:solidFill>
                     <a:srgbClr val="000000"/>
                   </a:solidFill>
@@ -5887,7 +5887,7 @@
             </a:ln>
             <a:extLst>
               <a:ext uri="{91240B29-F687-4f45-9708-019B960494DF}">
-                <a14:hiddenLine xmlns:a14="http://schemas.microsoft.com/office/drawing/2010/main" xmlns="" w="9525">
+                <a14:hiddenLine xmlns="" xmlns:a14="http://schemas.microsoft.com/office/drawing/2010/main" w="9525">
                   <a:solidFill>
                     <a:srgbClr val="000000"/>
                   </a:solidFill>
@@ -5921,7 +5921,7 @@
             </a:ln>
             <a:extLst>
               <a:ext uri="{91240B29-F687-4f45-9708-019B960494DF}">
-                <a14:hiddenLine xmlns:a14="http://schemas.microsoft.com/office/drawing/2010/main" xmlns="" w="9525">
+                <a14:hiddenLine xmlns="" xmlns:a14="http://schemas.microsoft.com/office/drawing/2010/main" w="9525">
                   <a:solidFill>
                     <a:srgbClr val="000000"/>
                   </a:solidFill>
@@ -6011,7 +6011,7 @@
             </a:ln>
             <a:extLst>
               <a:ext uri="{91240B29-F687-4f45-9708-019B960494DF}">
-                <a14:hiddenLine xmlns:a14="http://schemas.microsoft.com/office/drawing/2010/main" xmlns="" w="9525">
+                <a14:hiddenLine xmlns="" xmlns:a14="http://schemas.microsoft.com/office/drawing/2010/main" w="9525">
                   <a:solidFill>
                     <a:srgbClr val="000000"/>
                   </a:solidFill>
@@ -6073,7 +6073,7 @@
             </a:ln>
             <a:extLst>
               <a:ext uri="{91240B29-F687-4f45-9708-019B960494DF}">
-                <a14:hiddenLine xmlns:a14="http://schemas.microsoft.com/office/drawing/2010/main" xmlns="" w="9525">
+                <a14:hiddenLine xmlns="" xmlns:a14="http://schemas.microsoft.com/office/drawing/2010/main" w="9525">
                   <a:solidFill>
                     <a:srgbClr val="000000"/>
                   </a:solidFill>
@@ -6135,7 +6135,7 @@
             </a:ln>
             <a:extLst>
               <a:ext uri="{91240B29-F687-4f45-9708-019B960494DF}">
-                <a14:hiddenLine xmlns:a14="http://schemas.microsoft.com/office/drawing/2010/main" xmlns="" w="9525">
+                <a14:hiddenLine xmlns="" xmlns:a14="http://schemas.microsoft.com/office/drawing/2010/main" w="9525">
                   <a:solidFill>
                     <a:srgbClr val="000000"/>
                   </a:solidFill>
@@ -6225,7 +6225,7 @@
             </a:ln>
             <a:extLst>
               <a:ext uri="{91240B29-F687-4f45-9708-019B960494DF}">
-                <a14:hiddenLine xmlns:a14="http://schemas.microsoft.com/office/drawing/2010/main" xmlns="" w="9525">
+                <a14:hiddenLine xmlns="" xmlns:a14="http://schemas.microsoft.com/office/drawing/2010/main" w="9525">
                   <a:solidFill>
                     <a:srgbClr val="000000"/>
                   </a:solidFill>
@@ -6293,7 +6293,7 @@
             </a:ln>
             <a:extLst>
               <a:ext uri="{91240B29-F687-4f45-9708-019B960494DF}">
-                <a14:hiddenLine xmlns:a14="http://schemas.microsoft.com/office/drawing/2010/main" xmlns="" w="9525">
+                <a14:hiddenLine xmlns="" xmlns:a14="http://schemas.microsoft.com/office/drawing/2010/main" w="9525">
                   <a:solidFill>
                     <a:srgbClr val="000000"/>
                   </a:solidFill>
@@ -6355,7 +6355,7 @@
             </a:ln>
             <a:extLst>
               <a:ext uri="{91240B29-F687-4f45-9708-019B960494DF}">
-                <a14:hiddenLine xmlns:a14="http://schemas.microsoft.com/office/drawing/2010/main" xmlns="" w="9525">
+                <a14:hiddenLine xmlns="" xmlns:a14="http://schemas.microsoft.com/office/drawing/2010/main" w="9525">
                   <a:solidFill>
                     <a:srgbClr val="000000"/>
                   </a:solidFill>
@@ -6445,7 +6445,7 @@
             </a:ln>
             <a:extLst>
               <a:ext uri="{91240B29-F687-4f45-9708-019B960494DF}">
-                <a14:hiddenLine xmlns:a14="http://schemas.microsoft.com/office/drawing/2010/main" xmlns="" w="9525">
+                <a14:hiddenLine xmlns="" xmlns:a14="http://schemas.microsoft.com/office/drawing/2010/main" w="9525">
                   <a:solidFill>
                     <a:srgbClr val="000000"/>
                   </a:solidFill>
@@ -6507,7 +6507,7 @@
             </a:ln>
             <a:extLst>
               <a:ext uri="{91240B29-F687-4f45-9708-019B960494DF}">
-                <a14:hiddenLine xmlns:a14="http://schemas.microsoft.com/office/drawing/2010/main" xmlns="" w="9525">
+                <a14:hiddenLine xmlns="" xmlns:a14="http://schemas.microsoft.com/office/drawing/2010/main" w="9525">
                   <a:solidFill>
                     <a:srgbClr val="000000"/>
                   </a:solidFill>
@@ -6597,7 +6597,7 @@
             </a:ln>
             <a:extLst>
               <a:ext uri="{91240B29-F687-4f45-9708-019B960494DF}">
-                <a14:hiddenLine xmlns:a14="http://schemas.microsoft.com/office/drawing/2010/main" xmlns="" w="9525">
+                <a14:hiddenLine xmlns="" xmlns:a14="http://schemas.microsoft.com/office/drawing/2010/main" w="9525">
                   <a:solidFill>
                     <a:srgbClr val="000000"/>
                   </a:solidFill>
@@ -6659,7 +6659,7 @@
             </a:ln>
             <a:extLst>
               <a:ext uri="{91240B29-F687-4f45-9708-019B960494DF}">
-                <a14:hiddenLine xmlns:a14="http://schemas.microsoft.com/office/drawing/2010/main" xmlns="" w="9525">
+                <a14:hiddenLine xmlns="" xmlns:a14="http://schemas.microsoft.com/office/drawing/2010/main" w="9525">
                   <a:solidFill>
                     <a:srgbClr val="000000"/>
                   </a:solidFill>
@@ -6749,7 +6749,7 @@
             </a:ln>
             <a:extLst>
               <a:ext uri="{91240B29-F687-4f45-9708-019B960494DF}">
-                <a14:hiddenLine xmlns:a14="http://schemas.microsoft.com/office/drawing/2010/main" xmlns="" w="9525">
+                <a14:hiddenLine xmlns="" xmlns:a14="http://schemas.microsoft.com/office/drawing/2010/main" w="9525">
                   <a:solidFill>
                     <a:srgbClr val="000000"/>
                   </a:solidFill>
@@ -6783,7 +6783,7 @@
             </a:ln>
             <a:extLst>
               <a:ext uri="{91240B29-F687-4f45-9708-019B960494DF}">
-                <a14:hiddenLine xmlns:a14="http://schemas.microsoft.com/office/drawing/2010/main" xmlns="" w="9525">
+                <a14:hiddenLine xmlns="" xmlns:a14="http://schemas.microsoft.com/office/drawing/2010/main" w="9525">
                   <a:solidFill>
                     <a:srgbClr val="000000"/>
                   </a:solidFill>
@@ -6848,7 +6848,7 @@
             </a:ln>
             <a:extLst>
               <a:ext uri="{91240B29-F687-4f45-9708-019B960494DF}">
-                <a14:hiddenLine xmlns:a14="http://schemas.microsoft.com/office/drawing/2010/main" xmlns="" w="9525">
+                <a14:hiddenLine xmlns="" xmlns:a14="http://schemas.microsoft.com/office/drawing/2010/main" w="9525">
                   <a:solidFill>
                     <a:srgbClr val="000000"/>
                   </a:solidFill>
@@ -6938,7 +6938,7 @@
             </a:ln>
             <a:extLst>
               <a:ext uri="{91240B29-F687-4f45-9708-019B960494DF}">
-                <a14:hiddenLine xmlns:a14="http://schemas.microsoft.com/office/drawing/2010/main" xmlns="" w="9525">
+                <a14:hiddenLine xmlns="" xmlns:a14="http://schemas.microsoft.com/office/drawing/2010/main" w="9525">
                   <a:solidFill>
                     <a:srgbClr val="000000"/>
                   </a:solidFill>
@@ -7000,7 +7000,7 @@
             </a:ln>
             <a:extLst>
               <a:ext uri="{91240B29-F687-4f45-9708-019B960494DF}">
-                <a14:hiddenLine xmlns:a14="http://schemas.microsoft.com/office/drawing/2010/main" xmlns="" w="9525">
+                <a14:hiddenLine xmlns="" xmlns:a14="http://schemas.microsoft.com/office/drawing/2010/main" w="9525">
                   <a:solidFill>
                     <a:srgbClr val="000000"/>
                   </a:solidFill>
@@ -7090,7 +7090,7 @@
             </a:ln>
             <a:extLst>
               <a:ext uri="{91240B29-F687-4f45-9708-019B960494DF}">
-                <a14:hiddenLine xmlns:a14="http://schemas.microsoft.com/office/drawing/2010/main" xmlns="" w="9525">
+                <a14:hiddenLine xmlns="" xmlns:a14="http://schemas.microsoft.com/office/drawing/2010/main" w="9525">
                   <a:solidFill>
                     <a:srgbClr val="000000"/>
                   </a:solidFill>
@@ -7180,7 +7180,7 @@
             </a:ln>
             <a:extLst>
               <a:ext uri="{91240B29-F687-4f45-9708-019B960494DF}">
-                <a14:hiddenLine xmlns:a14="http://schemas.microsoft.com/office/drawing/2010/main" xmlns="" w="9525">
+                <a14:hiddenLine xmlns="" xmlns:a14="http://schemas.microsoft.com/office/drawing/2010/main" w="9525">
                   <a:solidFill>
                     <a:srgbClr val="000000"/>
                   </a:solidFill>
@@ -7245,7 +7245,7 @@
             </a:ln>
             <a:extLst>
               <a:ext uri="{91240B29-F687-4f45-9708-019B960494DF}">
-                <a14:hiddenLine xmlns:a14="http://schemas.microsoft.com/office/drawing/2010/main" xmlns="" w="9525">
+                <a14:hiddenLine xmlns="" xmlns:a14="http://schemas.microsoft.com/office/drawing/2010/main" w="9525">
                   <a:solidFill>
                     <a:srgbClr val="000000"/>
                   </a:solidFill>
@@ -7307,7 +7307,7 @@
             </a:ln>
             <a:extLst>
               <a:ext uri="{91240B29-F687-4f45-9708-019B960494DF}">
-                <a14:hiddenLine xmlns:a14="http://schemas.microsoft.com/office/drawing/2010/main" xmlns="" w="9525">
+                <a14:hiddenLine xmlns="" xmlns:a14="http://schemas.microsoft.com/office/drawing/2010/main" w="9525">
                   <a:solidFill>
                     <a:srgbClr val="000000"/>
                   </a:solidFill>
@@ -7397,7 +7397,7 @@
             </a:ln>
             <a:extLst>
               <a:ext uri="{91240B29-F687-4f45-9708-019B960494DF}">
-                <a14:hiddenLine xmlns:a14="http://schemas.microsoft.com/office/drawing/2010/main" xmlns="" w="9525">
+                <a14:hiddenLine xmlns="" xmlns:a14="http://schemas.microsoft.com/office/drawing/2010/main" w="9525">
                   <a:solidFill>
                     <a:srgbClr val="000000"/>
                   </a:solidFill>
@@ -7487,7 +7487,7 @@
             </a:ln>
             <a:extLst>
               <a:ext uri="{91240B29-F687-4f45-9708-019B960494DF}">
-                <a14:hiddenLine xmlns:a14="http://schemas.microsoft.com/office/drawing/2010/main" xmlns="" w="9525">
+                <a14:hiddenLine xmlns="" xmlns:a14="http://schemas.microsoft.com/office/drawing/2010/main" w="9525">
                   <a:solidFill>
                     <a:srgbClr val="000000"/>
                   </a:solidFill>
@@ -7549,7 +7549,7 @@
             </a:ln>
             <a:extLst>
               <a:ext uri="{91240B29-F687-4f45-9708-019B960494DF}">
-                <a14:hiddenLine xmlns:a14="http://schemas.microsoft.com/office/drawing/2010/main" xmlns="" w="9525">
+                <a14:hiddenLine xmlns="" xmlns:a14="http://schemas.microsoft.com/office/drawing/2010/main" w="9525">
                   <a:solidFill>
                     <a:srgbClr val="000000"/>
                   </a:solidFill>
@@ -7669,7 +7669,7 @@
             </a:ln>
             <a:extLst>
               <a:ext uri="{91240B29-F687-4f45-9708-019B960494DF}">
-                <a14:hiddenLine xmlns:a14="http://schemas.microsoft.com/office/drawing/2010/main" xmlns="" w="9525">
+                <a14:hiddenLine xmlns="" xmlns:a14="http://schemas.microsoft.com/office/drawing/2010/main" w="9525">
                   <a:solidFill>
                     <a:srgbClr val="000000"/>
                   </a:solidFill>
@@ -7737,7 +7737,7 @@
             </a:ln>
             <a:extLst>
               <a:ext uri="{91240B29-F687-4f45-9708-019B960494DF}">
-                <a14:hiddenLine xmlns:a14="http://schemas.microsoft.com/office/drawing/2010/main" xmlns="" w="9525">
+                <a14:hiddenLine xmlns="" xmlns:a14="http://schemas.microsoft.com/office/drawing/2010/main" w="9525">
                   <a:solidFill>
                     <a:srgbClr val="000000"/>
                   </a:solidFill>
@@ -7827,7 +7827,7 @@
             </a:ln>
             <a:extLst>
               <a:ext uri="{91240B29-F687-4f45-9708-019B960494DF}">
-                <a14:hiddenLine xmlns:a14="http://schemas.microsoft.com/office/drawing/2010/main" xmlns="" w="9525">
+                <a14:hiddenLine xmlns="" xmlns:a14="http://schemas.microsoft.com/office/drawing/2010/main" w="9525">
                   <a:solidFill>
                     <a:srgbClr val="000000"/>
                   </a:solidFill>
@@ -7970,7 +7970,7 @@
             <a:pPr rtl="0"/>
             <a:fld id="{A02EAC81-5C99-4864-A0E8-CFA5C9ABA6C2}" type="datetime1">
               <a:rPr lang="fr-FR" noProof="0" smtClean="0"/>
-              <a:t>18/03/2021</a:t>
+              <a:t>19/03/2021</a:t>
             </a:fld>
             <a:endParaRPr lang="fr-FR" noProof="0"/>
           </a:p>
@@ -8247,7 +8247,7 @@
             <a:pPr rtl="0"/>
             <a:fld id="{0ACE44FF-5CD6-4B82-B1F5-6AE86C9907EB}" type="datetime1">
               <a:rPr lang="fr-FR" noProof="0" smtClean="0"/>
-              <a:t>18/03/2021</a:t>
+              <a:t>19/03/2021</a:t>
             </a:fld>
             <a:endParaRPr lang="fr-FR" noProof="0"/>
           </a:p>
@@ -8515,7 +8515,7 @@
             <a:pPr rtl="0"/>
             <a:fld id="{9B3B6F96-1DBA-403E-937D-37819E106CA7}" type="datetime1">
               <a:rPr lang="fr-FR" noProof="0" smtClean="0"/>
-              <a:t>18/03/2021</a:t>
+              <a:t>19/03/2021</a:t>
             </a:fld>
             <a:endParaRPr lang="fr-FR" noProof="0"/>
           </a:p>
@@ -8789,7 +8789,7 @@
             <a:pPr rtl="0"/>
             <a:fld id="{55413907-E3EB-48AE-AB86-05A8E02730C7}" type="datetime1">
               <a:rPr lang="fr-FR" noProof="0" smtClean="0"/>
-              <a:t>18/03/2021</a:t>
+              <a:t>19/03/2021</a:t>
             </a:fld>
             <a:endParaRPr lang="fr-FR" noProof="0"/>
           </a:p>
@@ -9234,7 +9234,7 @@
             <a:pPr rtl="0"/>
             <a:fld id="{72A7BD87-4162-417A-9B5A-2932BA9F7490}" type="datetime1">
               <a:rPr lang="fr-FR" noProof="0" smtClean="0"/>
-              <a:t>18/03/2021</a:t>
+              <a:t>19/03/2021</a:t>
             </a:fld>
             <a:endParaRPr lang="fr-FR" noProof="0"/>
           </a:p>
@@ -9791,7 +9791,7 @@
             <a:pPr rtl="0"/>
             <a:fld id="{20004DDE-15BB-4C4D-B4EA-C083161A9948}" type="datetime1">
               <a:rPr lang="fr-FR" noProof="0" smtClean="0"/>
-              <a:t>18/03/2021</a:t>
+              <a:t>19/03/2021</a:t>
             </a:fld>
             <a:endParaRPr lang="fr-FR" noProof="0"/>
           </a:p>
@@ -10580,7 +10580,7 @@
             <a:pPr rtl="0"/>
             <a:fld id="{9E1F3B7E-0513-428C-82D7-BDF3AA9A4EA5}" type="datetime1">
               <a:rPr lang="fr-FR" noProof="0" smtClean="0"/>
-              <a:t>18/03/2021</a:t>
+              <a:t>19/03/2021</a:t>
             </a:fld>
             <a:endParaRPr lang="fr-FR" noProof="0"/>
           </a:p>
@@ -10821,7 +10821,7 @@
             <a:pPr rtl="0"/>
             <a:fld id="{F2372795-7EAB-4160-A1B0-2F422ABD8E89}" type="datetime1">
               <a:rPr lang="fr-FR" noProof="0" smtClean="0"/>
-              <a:t>18/03/2021</a:t>
+              <a:t>19/03/2021</a:t>
             </a:fld>
             <a:endParaRPr lang="fr-FR" noProof="0"/>
           </a:p>
@@ -11011,7 +11011,7 @@
             <a:pPr rtl="0"/>
             <a:fld id="{4C2BF765-708F-4989-AE14-BAB9493E4588}" type="datetime1">
               <a:rPr lang="fr-FR" noProof="0" smtClean="0"/>
-              <a:t>18/03/2021</a:t>
+              <a:t>19/03/2021</a:t>
             </a:fld>
             <a:endParaRPr lang="fr-FR" noProof="0"/>
           </a:p>
@@ -11191,7 +11191,7 @@
             <a:pPr rtl="0"/>
             <a:fld id="{601D7A6B-BCC2-4C21-BAE3-6AF1B840E56D}" type="datetime1">
               <a:rPr lang="fr-FR" noProof="0" smtClean="0"/>
-              <a:t>18/03/2021</a:t>
+              <a:t>19/03/2021</a:t>
             </a:fld>
             <a:endParaRPr lang="fr-FR" noProof="0"/>
           </a:p>
@@ -11243,27 +11243,26 @@
       </p:sp>
       <p:pic>
         <p:nvPicPr>
-          <p:cNvPr id="7" name="Image 6" descr="Description : Description : C:\Patrick\TAF\Visuel\Photoshop\Logo 25 ans\Propal\VF\Propal 15.4 png.png"/>
+          <p:cNvPr id="7" name="Image 6"/>
           <p:cNvPicPr/>
           <p:nvPr userDrawn="1"/>
         </p:nvPicPr>
         <p:blipFill>
-          <a:blip r:embed="rId2" r:link="rId3">
+          <a:blip r:embed="rId2">
             <a:extLst>
               <a:ext uri="{28A0092B-C50C-407E-A947-70E740481C1C}">
                 <a14:useLocalDpi xmlns:a14="http://schemas.microsoft.com/office/drawing/2010/main" val="0"/>
               </a:ext>
             </a:extLst>
           </a:blip>
-          <a:srcRect/>
           <a:stretch>
             <a:fillRect/>
           </a:stretch>
         </p:blipFill>
         <p:spPr bwMode="auto">
           <a:xfrm>
-            <a:off x="119062" y="58738"/>
-            <a:ext cx="720000" cy="720000"/>
+            <a:off x="123894" y="58738"/>
+            <a:ext cx="710335" cy="720000"/>
           </a:xfrm>
           <a:prstGeom prst="rect">
             <a:avLst/>
@@ -11281,7 +11280,7 @@
           <p:nvPr userDrawn="1"/>
         </p:nvPicPr>
         <p:blipFill>
-          <a:blip r:embed="rId4">
+          <a:blip r:embed="rId3">
             <a:extLst>
               <a:ext uri="{28A0092B-C50C-407E-A947-70E740481C1C}">
                 <a14:useLocalDpi xmlns:a14="http://schemas.microsoft.com/office/drawing/2010/main" val="0"/>
@@ -11513,7 +11512,7 @@
             <a:pPr rtl="0"/>
             <a:fld id="{0635DD21-33A0-42C5-A2E5-7493465514B7}" type="datetime1">
               <a:rPr lang="fr-FR" noProof="0" smtClean="0"/>
-              <a:t>18/03/2021</a:t>
+              <a:t>19/03/2021</a:t>
             </a:fld>
             <a:endParaRPr lang="fr-FR" noProof="0"/>
           </a:p>
@@ -11754,7 +11753,7 @@
             <a:pPr rtl="0"/>
             <a:fld id="{E8BC33FA-CEBE-4502-9F9B-2F0989154353}" type="datetime1">
               <a:rPr lang="fr-FR" noProof="0" smtClean="0"/>
-              <a:t>18/03/2021</a:t>
+              <a:t>19/03/2021</a:t>
             </a:fld>
             <a:endParaRPr lang="fr-FR" noProof="0"/>
           </a:p>
@@ -12205,7 +12204,7 @@
             <a:pPr rtl="0"/>
             <a:fld id="{B3ECB3ED-4851-4DE7-9A6A-4D7485AC63E3}" type="datetime1">
               <a:rPr lang="fr-FR" noProof="0" smtClean="0"/>
-              <a:t>18/03/2021</a:t>
+              <a:t>19/03/2021</a:t>
             </a:fld>
             <a:endParaRPr lang="fr-FR" noProof="0"/>
           </a:p>
@@ -12395,7 +12394,7 @@
             <a:pPr rtl="0"/>
             <a:fld id="{DBDFEB93-A53E-490C-AF00-EDE3AFF9A36D}" type="datetime1">
               <a:rPr lang="fr-FR" noProof="0" smtClean="0"/>
-              <a:t>18/03/2021</a:t>
+              <a:t>19/03/2021</a:t>
             </a:fld>
             <a:endParaRPr lang="fr-FR" noProof="0"/>
           </a:p>
@@ -12561,7 +12560,7 @@
             <a:pPr rtl="0"/>
             <a:fld id="{969093F2-5574-4FF9-B1D2-E15C695A74EF}" type="datetime1">
               <a:rPr lang="fr-FR" noProof="0" smtClean="0"/>
-              <a:t>18/03/2021</a:t>
+              <a:t>19/03/2021</a:t>
             </a:fld>
             <a:endParaRPr lang="fr-FR" noProof="0"/>
           </a:p>
@@ -12881,7 +12880,7 @@
             <a:pPr rtl="0"/>
             <a:fld id="{575F6C24-568D-4917-863C-3B89D44003D5}" type="datetime1">
               <a:rPr lang="fr-FR" noProof="0" smtClean="0"/>
-              <a:t>18/03/2021</a:t>
+              <a:t>19/03/2021</a:t>
             </a:fld>
             <a:endParaRPr lang="fr-FR" noProof="0"/>
           </a:p>
@@ -13233,7 +13232,7 @@
             <a:pPr rtl="0"/>
             <a:fld id="{7A202532-655D-448B-BCCD-E52581A788ED}" type="datetime1">
               <a:rPr lang="fr-FR" noProof="0" smtClean="0"/>
-              <a:t>18/03/2021</a:t>
+              <a:t>19/03/2021</a:t>
             </a:fld>
             <a:endParaRPr lang="fr-FR" noProof="0"/>
           </a:p>
@@ -13426,7 +13425,7 @@
           <a:noFill/>
           <a:extLst>
             <a:ext uri="{909E8E84-426E-40dd-AFC4-6F175D3DCCD1}">
-              <a14:hiddenFill xmlns:a14="http://schemas.microsoft.com/office/drawing/2010/main" xmlns="">
+              <a14:hiddenFill xmlns="" xmlns:a14="http://schemas.microsoft.com/office/drawing/2010/main">
                 <a:solidFill>
                   <a:srgbClr val="FFFFFF"/>
                 </a:solidFill>
@@ -13500,7 +13499,7 @@
               </a:ln>
               <a:extLst>
                 <a:ext uri="{91240B29-F687-4f45-9708-019B960494DF}">
-                  <a14:hiddenLine xmlns:a14="http://schemas.microsoft.com/office/drawing/2010/main" xmlns="" w="9525">
+                  <a14:hiddenLine xmlns="" xmlns:a14="http://schemas.microsoft.com/office/drawing/2010/main" w="9525">
                     <a:solidFill>
                       <a:srgbClr val="000000"/>
                     </a:solidFill>
@@ -13590,7 +13589,7 @@
               </a:ln>
               <a:extLst>
                 <a:ext uri="{91240B29-F687-4f45-9708-019B960494DF}">
-                  <a14:hiddenLine xmlns:a14="http://schemas.microsoft.com/office/drawing/2010/main" xmlns="" w="9525">
+                  <a14:hiddenLine xmlns="" xmlns:a14="http://schemas.microsoft.com/office/drawing/2010/main" w="9525">
                     <a:solidFill>
                       <a:srgbClr val="000000"/>
                     </a:solidFill>
@@ -13680,7 +13679,7 @@
               </a:ln>
               <a:extLst>
                 <a:ext uri="{91240B29-F687-4f45-9708-019B960494DF}">
-                  <a14:hiddenLine xmlns:a14="http://schemas.microsoft.com/office/drawing/2010/main" xmlns="" w="9525">
+                  <a14:hiddenLine xmlns="" xmlns:a14="http://schemas.microsoft.com/office/drawing/2010/main" w="9525">
                     <a:solidFill>
                       <a:srgbClr val="000000"/>
                     </a:solidFill>
@@ -13742,7 +13741,7 @@
               </a:ln>
               <a:extLst>
                 <a:ext uri="{91240B29-F687-4f45-9708-019B960494DF}">
-                  <a14:hiddenLine xmlns:a14="http://schemas.microsoft.com/office/drawing/2010/main" xmlns="" w="9525">
+                  <a14:hiddenLine xmlns="" xmlns:a14="http://schemas.microsoft.com/office/drawing/2010/main" w="9525">
                     <a:solidFill>
                       <a:srgbClr val="000000"/>
                     </a:solidFill>
@@ -13832,7 +13831,7 @@
               </a:ln>
               <a:extLst>
                 <a:ext uri="{91240B29-F687-4f45-9708-019B960494DF}">
-                  <a14:hiddenLine xmlns:a14="http://schemas.microsoft.com/office/drawing/2010/main" xmlns="" w="9525">
+                  <a14:hiddenLine xmlns="" xmlns:a14="http://schemas.microsoft.com/office/drawing/2010/main" w="9525">
                     <a:solidFill>
                       <a:srgbClr val="000000"/>
                     </a:solidFill>
@@ -13894,7 +13893,7 @@
               </a:ln>
               <a:extLst>
                 <a:ext uri="{91240B29-F687-4f45-9708-019B960494DF}">
-                  <a14:hiddenLine xmlns:a14="http://schemas.microsoft.com/office/drawing/2010/main" xmlns="" w="9525">
+                  <a14:hiddenLine xmlns="" xmlns:a14="http://schemas.microsoft.com/office/drawing/2010/main" w="9525">
                     <a:solidFill>
                       <a:srgbClr val="000000"/>
                     </a:solidFill>
@@ -13956,7 +13955,7 @@
               </a:ln>
               <a:extLst>
                 <a:ext uri="{91240B29-F687-4f45-9708-019B960494DF}">
-                  <a14:hiddenLine xmlns:a14="http://schemas.microsoft.com/office/drawing/2010/main" xmlns="" w="9525">
+                  <a14:hiddenLine xmlns="" xmlns:a14="http://schemas.microsoft.com/office/drawing/2010/main" w="9525">
                     <a:solidFill>
                       <a:srgbClr val="000000"/>
                     </a:solidFill>
@@ -14046,7 +14045,7 @@
               </a:ln>
               <a:extLst>
                 <a:ext uri="{91240B29-F687-4f45-9708-019B960494DF}">
-                  <a14:hiddenLine xmlns:a14="http://schemas.microsoft.com/office/drawing/2010/main" xmlns="" w="9525">
+                  <a14:hiddenLine xmlns="" xmlns:a14="http://schemas.microsoft.com/office/drawing/2010/main" w="9525">
                     <a:solidFill>
                       <a:srgbClr val="000000"/>
                     </a:solidFill>
@@ -14136,7 +14135,7 @@
               </a:ln>
               <a:extLst>
                 <a:ext uri="{91240B29-F687-4f45-9708-019B960494DF}">
-                  <a14:hiddenLine xmlns:a14="http://schemas.microsoft.com/office/drawing/2010/main" xmlns="" w="9525">
+                  <a14:hiddenLine xmlns="" xmlns:a14="http://schemas.microsoft.com/office/drawing/2010/main" w="9525">
                     <a:solidFill>
                       <a:srgbClr val="000000"/>
                     </a:solidFill>
@@ -14198,7 +14197,7 @@
               </a:ln>
               <a:extLst>
                 <a:ext uri="{91240B29-F687-4f45-9708-019B960494DF}">
-                  <a14:hiddenLine xmlns:a14="http://schemas.microsoft.com/office/drawing/2010/main" xmlns="" w="9525">
+                  <a14:hiddenLine xmlns="" xmlns:a14="http://schemas.microsoft.com/office/drawing/2010/main" w="9525">
                     <a:solidFill>
                       <a:srgbClr val="000000"/>
                     </a:solidFill>
@@ -14308,7 +14307,7 @@
               </a:ln>
               <a:extLst>
                 <a:ext uri="{91240B29-F687-4f45-9708-019B960494DF}">
-                  <a14:hiddenLine xmlns:a14="http://schemas.microsoft.com/office/drawing/2010/main" xmlns="" w="9525">
+                  <a14:hiddenLine xmlns="" xmlns:a14="http://schemas.microsoft.com/office/drawing/2010/main" w="9525">
                     <a:solidFill>
                       <a:srgbClr val="000000"/>
                     </a:solidFill>
@@ -14392,7 +14391,7 @@
               </a:ln>
               <a:extLst>
                 <a:ext uri="{91240B29-F687-4f45-9708-019B960494DF}">
-                  <a14:hiddenLine xmlns:a14="http://schemas.microsoft.com/office/drawing/2010/main" xmlns="" w="9525">
+                  <a14:hiddenLine xmlns="" xmlns:a14="http://schemas.microsoft.com/office/drawing/2010/main" w="9525">
                     <a:solidFill>
                       <a:srgbClr val="000000"/>
                     </a:solidFill>
@@ -14454,7 +14453,7 @@
               </a:ln>
               <a:extLst>
                 <a:ext uri="{91240B29-F687-4f45-9708-019B960494DF}">
-                  <a14:hiddenLine xmlns:a14="http://schemas.microsoft.com/office/drawing/2010/main" xmlns="" w="9525">
+                  <a14:hiddenLine xmlns="" xmlns:a14="http://schemas.microsoft.com/office/drawing/2010/main" w="9525">
                     <a:solidFill>
                       <a:srgbClr val="000000"/>
                     </a:solidFill>
@@ -14516,7 +14515,7 @@
               </a:ln>
               <a:extLst>
                 <a:ext uri="{91240B29-F687-4f45-9708-019B960494DF}">
-                  <a14:hiddenLine xmlns:a14="http://schemas.microsoft.com/office/drawing/2010/main" xmlns="" w="9525">
+                  <a14:hiddenLine xmlns="" xmlns:a14="http://schemas.microsoft.com/office/drawing/2010/main" w="9525">
                     <a:solidFill>
                       <a:srgbClr val="000000"/>
                     </a:solidFill>
@@ -14606,7 +14605,7 @@
               </a:ln>
               <a:extLst>
                 <a:ext uri="{91240B29-F687-4f45-9708-019B960494DF}">
-                  <a14:hiddenLine xmlns:a14="http://schemas.microsoft.com/office/drawing/2010/main" xmlns="" w="9525">
+                  <a14:hiddenLine xmlns="" xmlns:a14="http://schemas.microsoft.com/office/drawing/2010/main" w="9525">
                     <a:solidFill>
                       <a:srgbClr val="000000"/>
                     </a:solidFill>
@@ -14640,7 +14639,7 @@
               </a:ln>
               <a:extLst>
                 <a:ext uri="{91240B29-F687-4f45-9708-019B960494DF}">
-                  <a14:hiddenLine xmlns:a14="http://schemas.microsoft.com/office/drawing/2010/main" xmlns="" w="9525">
+                  <a14:hiddenLine xmlns="" xmlns:a14="http://schemas.microsoft.com/office/drawing/2010/main" w="9525">
                     <a:solidFill>
                       <a:srgbClr val="000000"/>
                     </a:solidFill>
@@ -14705,7 +14704,7 @@
               </a:ln>
               <a:extLst>
                 <a:ext uri="{91240B29-F687-4f45-9708-019B960494DF}">
-                  <a14:hiddenLine xmlns:a14="http://schemas.microsoft.com/office/drawing/2010/main" xmlns="" w="9525">
+                  <a14:hiddenLine xmlns="" xmlns:a14="http://schemas.microsoft.com/office/drawing/2010/main" w="9525">
                     <a:solidFill>
                       <a:srgbClr val="000000"/>
                     </a:solidFill>
@@ -14795,7 +14794,7 @@
               </a:ln>
               <a:extLst>
                 <a:ext uri="{91240B29-F687-4f45-9708-019B960494DF}">
-                  <a14:hiddenLine xmlns:a14="http://schemas.microsoft.com/office/drawing/2010/main" xmlns="" w="9525">
+                  <a14:hiddenLine xmlns="" xmlns:a14="http://schemas.microsoft.com/office/drawing/2010/main" w="9525">
                     <a:solidFill>
                       <a:srgbClr val="000000"/>
                     </a:solidFill>
@@ -14857,7 +14856,7 @@
               </a:ln>
               <a:extLst>
                 <a:ext uri="{91240B29-F687-4f45-9708-019B960494DF}">
-                  <a14:hiddenLine xmlns:a14="http://schemas.microsoft.com/office/drawing/2010/main" xmlns="" w="9525">
+                  <a14:hiddenLine xmlns="" xmlns:a14="http://schemas.microsoft.com/office/drawing/2010/main" w="9525">
                     <a:solidFill>
                       <a:srgbClr val="000000"/>
                     </a:solidFill>
@@ -14947,7 +14946,7 @@
               </a:ln>
               <a:extLst>
                 <a:ext uri="{91240B29-F687-4f45-9708-019B960494DF}">
-                  <a14:hiddenLine xmlns:a14="http://schemas.microsoft.com/office/drawing/2010/main" xmlns="" w="9525">
+                  <a14:hiddenLine xmlns="" xmlns:a14="http://schemas.microsoft.com/office/drawing/2010/main" w="9525">
                     <a:solidFill>
                       <a:srgbClr val="000000"/>
                     </a:solidFill>
@@ -15012,7 +15011,7 @@
               </a:ln>
               <a:extLst>
                 <a:ext uri="{91240B29-F687-4f45-9708-019B960494DF}">
-                  <a14:hiddenLine xmlns:a14="http://schemas.microsoft.com/office/drawing/2010/main" xmlns="" w="9525">
+                  <a14:hiddenLine xmlns="" xmlns:a14="http://schemas.microsoft.com/office/drawing/2010/main" w="9525">
                     <a:solidFill>
                       <a:srgbClr val="000000"/>
                     </a:solidFill>
@@ -15074,7 +15073,7 @@
               </a:ln>
               <a:extLst>
                 <a:ext uri="{91240B29-F687-4f45-9708-019B960494DF}">
-                  <a14:hiddenLine xmlns:a14="http://schemas.microsoft.com/office/drawing/2010/main" xmlns="" w="9525">
+                  <a14:hiddenLine xmlns="" xmlns:a14="http://schemas.microsoft.com/office/drawing/2010/main" w="9525">
                     <a:solidFill>
                       <a:srgbClr val="000000"/>
                     </a:solidFill>
@@ -15164,7 +15163,7 @@
               </a:ln>
               <a:extLst>
                 <a:ext uri="{91240B29-F687-4f45-9708-019B960494DF}">
-                  <a14:hiddenLine xmlns:a14="http://schemas.microsoft.com/office/drawing/2010/main" xmlns="" w="9525">
+                  <a14:hiddenLine xmlns="" xmlns:a14="http://schemas.microsoft.com/office/drawing/2010/main" w="9525">
                     <a:solidFill>
                       <a:srgbClr val="000000"/>
                     </a:solidFill>
@@ -15254,7 +15253,7 @@
               </a:ln>
               <a:extLst>
                 <a:ext uri="{91240B29-F687-4f45-9708-019B960494DF}">
-                  <a14:hiddenLine xmlns:a14="http://schemas.microsoft.com/office/drawing/2010/main" xmlns="" w="9525">
+                  <a14:hiddenLine xmlns="" xmlns:a14="http://schemas.microsoft.com/office/drawing/2010/main" w="9525">
                     <a:solidFill>
                       <a:srgbClr val="000000"/>
                     </a:solidFill>
@@ -15319,7 +15318,7 @@
               </a:ln>
               <a:extLst>
                 <a:ext uri="{91240B29-F687-4f45-9708-019B960494DF}">
-                  <a14:hiddenLine xmlns:a14="http://schemas.microsoft.com/office/drawing/2010/main" xmlns="" w="9525">
+                  <a14:hiddenLine xmlns="" xmlns:a14="http://schemas.microsoft.com/office/drawing/2010/main" w="9525">
                     <a:solidFill>
                       <a:srgbClr val="000000"/>
                     </a:solidFill>
@@ -15439,7 +15438,7 @@
               </a:ln>
               <a:extLst>
                 <a:ext uri="{91240B29-F687-4f45-9708-019B960494DF}">
-                  <a14:hiddenLine xmlns:a14="http://schemas.microsoft.com/office/drawing/2010/main" xmlns="" w="9525">
+                  <a14:hiddenLine xmlns="" xmlns:a14="http://schemas.microsoft.com/office/drawing/2010/main" w="9525">
                     <a:solidFill>
                       <a:srgbClr val="000000"/>
                     </a:solidFill>
@@ -15520,7 +15519,7 @@
               </a:ln>
               <a:extLst>
                 <a:ext uri="{91240B29-F687-4f45-9708-019B960494DF}">
-                  <a14:hiddenLine xmlns:a14="http://schemas.microsoft.com/office/drawing/2010/main" xmlns="" w="9525">
+                  <a14:hiddenLine xmlns="" xmlns:a14="http://schemas.microsoft.com/office/drawing/2010/main" w="9525">
                     <a:solidFill>
                       <a:srgbClr val="000000"/>
                     </a:solidFill>
@@ -15635,7 +15634,7 @@
               </a:ln>
               <a:extLst>
                 <a:ext uri="{91240B29-F687-4f45-9708-019B960494DF}">
-                  <a14:hiddenLine xmlns:a14="http://schemas.microsoft.com/office/drawing/2010/main" xmlns="" w="9525">
+                  <a14:hiddenLine xmlns="" xmlns:a14="http://schemas.microsoft.com/office/drawing/2010/main" w="9525">
                     <a:solidFill>
                       <a:srgbClr val="000000"/>
                     </a:solidFill>
@@ -15725,7 +15724,7 @@
               </a:ln>
               <a:extLst>
                 <a:ext uri="{91240B29-F687-4f45-9708-019B960494DF}">
-                  <a14:hiddenLine xmlns:a14="http://schemas.microsoft.com/office/drawing/2010/main" xmlns="" w="9525">
+                  <a14:hiddenLine xmlns="" xmlns:a14="http://schemas.microsoft.com/office/drawing/2010/main" w="9525">
                     <a:solidFill>
                       <a:srgbClr val="000000"/>
                     </a:solidFill>
@@ -15790,7 +15789,7 @@
               </a:ln>
               <a:extLst>
                 <a:ext uri="{91240B29-F687-4f45-9708-019B960494DF}">
-                  <a14:hiddenLine xmlns:a14="http://schemas.microsoft.com/office/drawing/2010/main" xmlns="" w="9525">
+                  <a14:hiddenLine xmlns="" xmlns:a14="http://schemas.microsoft.com/office/drawing/2010/main" w="9525">
                     <a:solidFill>
                       <a:srgbClr val="000000"/>
                     </a:solidFill>
@@ -15880,7 +15879,7 @@
               </a:ln>
               <a:extLst>
                 <a:ext uri="{91240B29-F687-4f45-9708-019B960494DF}">
-                  <a14:hiddenLine xmlns:a14="http://schemas.microsoft.com/office/drawing/2010/main" xmlns="" w="9525">
+                  <a14:hiddenLine xmlns="" xmlns:a14="http://schemas.microsoft.com/office/drawing/2010/main" w="9525">
                     <a:solidFill>
                       <a:srgbClr val="000000"/>
                     </a:solidFill>
@@ -15948,7 +15947,7 @@
               </a:ln>
               <a:extLst>
                 <a:ext uri="{91240B29-F687-4f45-9708-019B960494DF}">
-                  <a14:hiddenLine xmlns:a14="http://schemas.microsoft.com/office/drawing/2010/main" xmlns="" w="9525">
+                  <a14:hiddenLine xmlns="" xmlns:a14="http://schemas.microsoft.com/office/drawing/2010/main" w="9525">
                     <a:solidFill>
                       <a:srgbClr val="000000"/>
                     </a:solidFill>
@@ -16038,7 +16037,7 @@
               </a:ln>
               <a:extLst>
                 <a:ext uri="{91240B29-F687-4f45-9708-019B960494DF}">
-                  <a14:hiddenLine xmlns:a14="http://schemas.microsoft.com/office/drawing/2010/main" xmlns="" w="9525">
+                  <a14:hiddenLine xmlns="" xmlns:a14="http://schemas.microsoft.com/office/drawing/2010/main" w="9525">
                     <a:solidFill>
                       <a:srgbClr val="000000"/>
                     </a:solidFill>
@@ -16106,7 +16105,7 @@
               </a:ln>
               <a:extLst>
                 <a:ext uri="{91240B29-F687-4f45-9708-019B960494DF}">
-                  <a14:hiddenLine xmlns:a14="http://schemas.microsoft.com/office/drawing/2010/main" xmlns="" w="9525">
+                  <a14:hiddenLine xmlns="" xmlns:a14="http://schemas.microsoft.com/office/drawing/2010/main" w="9525">
                     <a:solidFill>
                       <a:srgbClr val="000000"/>
                     </a:solidFill>
@@ -16196,7 +16195,7 @@
               </a:ln>
               <a:extLst>
                 <a:ext uri="{91240B29-F687-4f45-9708-019B960494DF}">
-                  <a14:hiddenLine xmlns:a14="http://schemas.microsoft.com/office/drawing/2010/main" xmlns="" w="9525">
+                  <a14:hiddenLine xmlns="" xmlns:a14="http://schemas.microsoft.com/office/drawing/2010/main" w="9525">
                     <a:solidFill>
                       <a:srgbClr val="000000"/>
                     </a:solidFill>
@@ -16230,7 +16229,7 @@
               </a:ln>
               <a:extLst>
                 <a:ext uri="{91240B29-F687-4f45-9708-019B960494DF}">
-                  <a14:hiddenLine xmlns:a14="http://schemas.microsoft.com/office/drawing/2010/main" xmlns="" w="9525">
+                  <a14:hiddenLine xmlns="" xmlns:a14="http://schemas.microsoft.com/office/drawing/2010/main" w="9525">
                     <a:solidFill>
                       <a:srgbClr val="000000"/>
                     </a:solidFill>
@@ -16371,7 +16370,7 @@
             <a:pPr rtl="0"/>
             <a:fld id="{CD282D03-1B0F-4808-A039-91C9E6CB118E}" type="datetime1">
               <a:rPr lang="fr-FR" noProof="0" smtClean="0"/>
-              <a:t>18/03/2021</a:t>
+              <a:t>19/03/2021</a:t>
             </a:fld>
             <a:endParaRPr lang="fr-FR" noProof="0" dirty="0"/>
           </a:p>
@@ -16800,7 +16799,7 @@
           <p:cNvPr id="2" name="Titre 1">
             <a:extLst>
               <a:ext uri="{FF2B5EF4-FFF2-40B4-BE49-F238E27FC236}">
-                <a16:creationId xmlns="" xmlns:a16="http://schemas.microsoft.com/office/drawing/2014/main" id="{8268D3E5-C7A3-47DF-A374-46BF83A69904}"/>
+                <a16:creationId xmlns:a16="http://schemas.microsoft.com/office/drawing/2014/main" xmlns="" id="{8268D3E5-C7A3-47DF-A374-46BF83A69904}"/>
               </a:ext>
             </a:extLst>
           </p:cNvPr>
@@ -17039,7 +17038,6 @@
               <a:rPr lang="fr-FR" sz="2800" dirty="0" smtClean="0"/>
               <a:t>Les différents types de document pour les SFD</a:t>
             </a:r>
-            <a:endParaRPr lang="fr-FR" sz="2800" dirty="0" smtClean="0"/>
           </a:p>
         </p:txBody>
       </p:sp>
@@ -17593,6 +17591,38 @@
       </p:grpSpPr>
       <p:sp>
         <p:nvSpPr>
+          <p:cNvPr id="7" name="Titre 1"/>
+          <p:cNvSpPr>
+            <a:spLocks noGrp="1"/>
+          </p:cNvSpPr>
+          <p:nvPr>
+            <p:ph type="title"/>
+          </p:nvPr>
+        </p:nvSpPr>
+        <p:spPr>
+          <a:xfrm>
+            <a:off x="1141413" y="8918"/>
+            <a:ext cx="10092644" cy="1478570"/>
+          </a:xfrm>
+        </p:spPr>
+        <p:txBody>
+          <a:bodyPr/>
+          <a:lstStyle/>
+          <a:p>
+            <a:pPr marL="857250" indent="-857250">
+              <a:buFont typeface="+mj-lt"/>
+              <a:buAutoNum type="romanUcPeriod" startAt="2"/>
+            </a:pPr>
+            <a:r>
+              <a:rPr lang="fr-FR" dirty="0" smtClean="0"/>
+              <a:t>Comment ENVOYER NOTRE RAPPORT A L’ARSM en 02 étapes ?</a:t>
+            </a:r>
+            <a:endParaRPr lang="fr-FR" dirty="0"/>
+          </a:p>
+        </p:txBody>
+      </p:sp>
+      <p:sp>
+        <p:nvSpPr>
           <p:cNvPr id="3" name="Espace réservé du contenu 2"/>
           <p:cNvSpPr>
             <a:spLocks noGrp="1"/>
@@ -17656,38 +17686,6 @@
               <a:buNone/>
             </a:pPr>
             <a:endParaRPr lang="fr-FR" sz="3000" dirty="0"/>
-          </a:p>
-        </p:txBody>
-      </p:sp>
-      <p:sp>
-        <p:nvSpPr>
-          <p:cNvPr id="7" name="Titre 1"/>
-          <p:cNvSpPr>
-            <a:spLocks noGrp="1"/>
-          </p:cNvSpPr>
-          <p:nvPr>
-            <p:ph type="title"/>
-          </p:nvPr>
-        </p:nvSpPr>
-        <p:spPr>
-          <a:xfrm>
-            <a:off x="1141413" y="8918"/>
-            <a:ext cx="10092644" cy="1478570"/>
-          </a:xfrm>
-        </p:spPr>
-        <p:txBody>
-          <a:bodyPr/>
-          <a:lstStyle/>
-          <a:p>
-            <a:pPr marL="857250" indent="-857250">
-              <a:buFont typeface="+mj-lt"/>
-              <a:buAutoNum type="romanUcPeriod" startAt="2"/>
-            </a:pPr>
-            <a:r>
-              <a:rPr lang="fr-FR" dirty="0" smtClean="0"/>
-              <a:t>Comment ENVOYER NOTRE RAPPORT A L’ARSM en 02 étapes ?</a:t>
-            </a:r>
-            <a:endParaRPr lang="fr-FR" dirty="0"/>
           </a:p>
         </p:txBody>
       </p:sp>
@@ -17763,6 +17761,38 @@
       </p:grpSpPr>
       <p:sp>
         <p:nvSpPr>
+          <p:cNvPr id="6" name="Titre 1"/>
+          <p:cNvSpPr>
+            <a:spLocks noGrp="1"/>
+          </p:cNvSpPr>
+          <p:nvPr>
+            <p:ph type="title"/>
+          </p:nvPr>
+        </p:nvSpPr>
+        <p:spPr>
+          <a:xfrm>
+            <a:off x="1141413" y="8918"/>
+            <a:ext cx="10092644" cy="1478570"/>
+          </a:xfrm>
+        </p:spPr>
+        <p:txBody>
+          <a:bodyPr/>
+          <a:lstStyle/>
+          <a:p>
+            <a:pPr marL="857250" indent="-857250">
+              <a:buFont typeface="+mj-lt"/>
+              <a:buAutoNum type="romanUcPeriod" startAt="2"/>
+            </a:pPr>
+            <a:r>
+              <a:rPr lang="fr-FR" dirty="0" smtClean="0"/>
+              <a:t>Comment ENVOYER NOTRE RAPPORT A L’ARSM en 02 étapes ?</a:t>
+            </a:r>
+            <a:endParaRPr lang="fr-FR" dirty="0"/>
+          </a:p>
+        </p:txBody>
+      </p:sp>
+      <p:sp>
+        <p:nvSpPr>
           <p:cNvPr id="3" name="Espace réservé du contenu 2"/>
           <p:cNvSpPr>
             <a:spLocks noGrp="1"/>
@@ -17845,38 +17875,6 @@
               <a:rPr lang="fr-FR" sz="3200" dirty="0"/>
               <a:t>le document (à l’ARSM)</a:t>
             </a:r>
-          </a:p>
-        </p:txBody>
-      </p:sp>
-      <p:sp>
-        <p:nvSpPr>
-          <p:cNvPr id="6" name="Titre 1"/>
-          <p:cNvSpPr>
-            <a:spLocks noGrp="1"/>
-          </p:cNvSpPr>
-          <p:nvPr>
-            <p:ph type="title"/>
-          </p:nvPr>
-        </p:nvSpPr>
-        <p:spPr>
-          <a:xfrm>
-            <a:off x="1141413" y="8918"/>
-            <a:ext cx="10092644" cy="1478570"/>
-          </a:xfrm>
-        </p:spPr>
-        <p:txBody>
-          <a:bodyPr/>
-          <a:lstStyle/>
-          <a:p>
-            <a:pPr marL="857250" indent="-857250">
-              <a:buFont typeface="+mj-lt"/>
-              <a:buAutoNum type="romanUcPeriod" startAt="2"/>
-            </a:pPr>
-            <a:r>
-              <a:rPr lang="fr-FR" dirty="0" smtClean="0"/>
-              <a:t>Comment ENVOYER NOTRE RAPPORT A L’ARSM en 02 étapes ?</a:t>
-            </a:r>
-            <a:endParaRPr lang="fr-FR" dirty="0"/>
           </a:p>
         </p:txBody>
       </p:sp>
@@ -18045,6 +18043,37 @@
       </p:grpSpPr>
       <p:sp>
         <p:nvSpPr>
+          <p:cNvPr id="6" name="Titre 1"/>
+          <p:cNvSpPr>
+            <a:spLocks noGrp="1"/>
+          </p:cNvSpPr>
+          <p:nvPr>
+            <p:ph type="title"/>
+          </p:nvPr>
+        </p:nvSpPr>
+        <p:spPr>
+          <a:xfrm>
+            <a:off x="1141413" y="8918"/>
+            <a:ext cx="10092644" cy="1478570"/>
+          </a:xfrm>
+        </p:spPr>
+        <p:txBody>
+          <a:bodyPr/>
+          <a:lstStyle/>
+          <a:p>
+            <a:pPr marL="857250" indent="-857250">
+              <a:buFont typeface="+mj-lt"/>
+              <a:buAutoNum type="romanUcPeriod" startAt="3"/>
+            </a:pPr>
+            <a:r>
+              <a:rPr lang="fr-FR" dirty="0"/>
+              <a:t>Que faire si notre rapport a été refusé ?</a:t>
+            </a:r>
+          </a:p>
+        </p:txBody>
+      </p:sp>
+      <p:sp>
+        <p:nvSpPr>
           <p:cNvPr id="3" name="Espace réservé du contenu 2"/>
           <p:cNvSpPr>
             <a:spLocks noGrp="1"/>
@@ -18136,37 +18165,6 @@
               <a:t>,</a:t>
             </a:r>
             <a:endParaRPr lang="fr-FR" sz="2800" dirty="0"/>
-          </a:p>
-        </p:txBody>
-      </p:sp>
-      <p:sp>
-        <p:nvSpPr>
-          <p:cNvPr id="6" name="Titre 1"/>
-          <p:cNvSpPr>
-            <a:spLocks noGrp="1"/>
-          </p:cNvSpPr>
-          <p:nvPr>
-            <p:ph type="title"/>
-          </p:nvPr>
-        </p:nvSpPr>
-        <p:spPr>
-          <a:xfrm>
-            <a:off x="1141413" y="8918"/>
-            <a:ext cx="10092644" cy="1478570"/>
-          </a:xfrm>
-        </p:spPr>
-        <p:txBody>
-          <a:bodyPr/>
-          <a:lstStyle/>
-          <a:p>
-            <a:pPr marL="857250" indent="-857250">
-              <a:buFont typeface="+mj-lt"/>
-              <a:buAutoNum type="romanUcPeriod" startAt="3"/>
-            </a:pPr>
-            <a:r>
-              <a:rPr lang="fr-FR" dirty="0"/>
-              <a:t>Que faire si notre rapport a été refusé ?</a:t>
-            </a:r>
           </a:p>
         </p:txBody>
       </p:sp>
@@ -18258,6 +18256,37 @@
       </p:grpSpPr>
       <p:sp>
         <p:nvSpPr>
+          <p:cNvPr id="6" name="Titre 1"/>
+          <p:cNvSpPr>
+            <a:spLocks noGrp="1"/>
+          </p:cNvSpPr>
+          <p:nvPr>
+            <p:ph type="title"/>
+          </p:nvPr>
+        </p:nvSpPr>
+        <p:spPr>
+          <a:xfrm>
+            <a:off x="1141413" y="8918"/>
+            <a:ext cx="10092644" cy="1478570"/>
+          </a:xfrm>
+        </p:spPr>
+        <p:txBody>
+          <a:bodyPr/>
+          <a:lstStyle/>
+          <a:p>
+            <a:pPr marL="857250" indent="-857250">
+              <a:buFont typeface="+mj-lt"/>
+              <a:buAutoNum type="romanUcPeriod" startAt="3"/>
+            </a:pPr>
+            <a:r>
+              <a:rPr lang="fr-FR" dirty="0"/>
+              <a:t>Que faire si notre rapport a été refusé ?</a:t>
+            </a:r>
+          </a:p>
+        </p:txBody>
+      </p:sp>
+      <p:sp>
+        <p:nvSpPr>
           <p:cNvPr id="3" name="Espace réservé du contenu 2"/>
           <p:cNvSpPr>
             <a:spLocks noGrp="1"/>
@@ -18290,37 +18319,6 @@
               <a:t>Cliquer sur « Archiver »</a:t>
             </a:r>
             <a:endParaRPr lang="fr-FR" sz="2800" dirty="0"/>
-          </a:p>
-        </p:txBody>
-      </p:sp>
-      <p:sp>
-        <p:nvSpPr>
-          <p:cNvPr id="6" name="Titre 1"/>
-          <p:cNvSpPr>
-            <a:spLocks noGrp="1"/>
-          </p:cNvSpPr>
-          <p:nvPr>
-            <p:ph type="title"/>
-          </p:nvPr>
-        </p:nvSpPr>
-        <p:spPr>
-          <a:xfrm>
-            <a:off x="1141413" y="8918"/>
-            <a:ext cx="10092644" cy="1478570"/>
-          </a:xfrm>
-        </p:spPr>
-        <p:txBody>
-          <a:bodyPr/>
-          <a:lstStyle/>
-          <a:p>
-            <a:pPr marL="857250" indent="-857250">
-              <a:buFont typeface="+mj-lt"/>
-              <a:buAutoNum type="romanUcPeriod" startAt="3"/>
-            </a:pPr>
-            <a:r>
-              <a:rPr lang="fr-FR" dirty="0"/>
-              <a:t>Que faire si notre rapport a été refusé ?</a:t>
-            </a:r>
           </a:p>
         </p:txBody>
       </p:sp>
@@ -18396,6 +18394,37 @@
       </p:grpSpPr>
       <p:sp>
         <p:nvSpPr>
+          <p:cNvPr id="6" name="Titre 1"/>
+          <p:cNvSpPr>
+            <a:spLocks noGrp="1"/>
+          </p:cNvSpPr>
+          <p:nvPr>
+            <p:ph type="title"/>
+          </p:nvPr>
+        </p:nvSpPr>
+        <p:spPr>
+          <a:xfrm>
+            <a:off x="1141413" y="8918"/>
+            <a:ext cx="10092644" cy="1478570"/>
+          </a:xfrm>
+        </p:spPr>
+        <p:txBody>
+          <a:bodyPr/>
+          <a:lstStyle/>
+          <a:p>
+            <a:pPr marL="857250" indent="-857250">
+              <a:buFont typeface="+mj-lt"/>
+              <a:buAutoNum type="romanUcPeriod" startAt="4"/>
+            </a:pPr>
+            <a:r>
+              <a:rPr lang="fr-FR" dirty="0"/>
+              <a:t>Comment avoir des nouvelles de notre rapport envoyé pour validation ?</a:t>
+            </a:r>
+          </a:p>
+        </p:txBody>
+      </p:sp>
+      <p:sp>
+        <p:nvSpPr>
           <p:cNvPr id="3" name="Espace réservé du contenu 2"/>
           <p:cNvSpPr>
             <a:spLocks noGrp="1"/>
@@ -18472,37 +18501,6 @@
               <a:t>Dans le Tableau de Bord</a:t>
             </a:r>
             <a:endParaRPr lang="fr-FR" sz="2800" dirty="0"/>
-          </a:p>
-        </p:txBody>
-      </p:sp>
-      <p:sp>
-        <p:nvSpPr>
-          <p:cNvPr id="6" name="Titre 1"/>
-          <p:cNvSpPr>
-            <a:spLocks noGrp="1"/>
-          </p:cNvSpPr>
-          <p:nvPr>
-            <p:ph type="title"/>
-          </p:nvPr>
-        </p:nvSpPr>
-        <p:spPr>
-          <a:xfrm>
-            <a:off x="1141413" y="8918"/>
-            <a:ext cx="10092644" cy="1478570"/>
-          </a:xfrm>
-        </p:spPr>
-        <p:txBody>
-          <a:bodyPr/>
-          <a:lstStyle/>
-          <a:p>
-            <a:pPr marL="857250" indent="-857250">
-              <a:buFont typeface="+mj-lt"/>
-              <a:buAutoNum type="romanUcPeriod" startAt="4"/>
-            </a:pPr>
-            <a:r>
-              <a:rPr lang="fr-FR" dirty="0"/>
-              <a:t>Comment avoir des nouvelles de notre rapport envoyé pour validation ?</a:t>
-            </a:r>
           </a:p>
         </p:txBody>
       </p:sp>
@@ -18545,6 +18543,37 @@
       </p:grpSpPr>
       <p:sp>
         <p:nvSpPr>
+          <p:cNvPr id="6" name="Titre 1"/>
+          <p:cNvSpPr>
+            <a:spLocks noGrp="1"/>
+          </p:cNvSpPr>
+          <p:nvPr>
+            <p:ph type="title"/>
+          </p:nvPr>
+        </p:nvSpPr>
+        <p:spPr>
+          <a:xfrm>
+            <a:off x="1141413" y="8918"/>
+            <a:ext cx="10092644" cy="1478570"/>
+          </a:xfrm>
+        </p:spPr>
+        <p:txBody>
+          <a:bodyPr/>
+          <a:lstStyle/>
+          <a:p>
+            <a:pPr marL="857250" indent="-857250">
+              <a:buFont typeface="+mj-lt"/>
+              <a:buAutoNum type="romanUcPeriod" startAt="4"/>
+            </a:pPr>
+            <a:r>
+              <a:rPr lang="fr-FR" dirty="0"/>
+              <a:t>Comment avoir des nouvelles de notre rapport envoyé pour validation ?</a:t>
+            </a:r>
+          </a:p>
+        </p:txBody>
+      </p:sp>
+      <p:sp>
+        <p:nvSpPr>
           <p:cNvPr id="3" name="Espace réservé du contenu 2"/>
           <p:cNvSpPr>
             <a:spLocks noGrp="1"/>
@@ -18627,37 +18656,6 @@
               <a:buNone/>
             </a:pPr>
             <a:endParaRPr lang="fr-FR" sz="2800" dirty="0" smtClean="0"/>
-          </a:p>
-        </p:txBody>
-      </p:sp>
-      <p:sp>
-        <p:nvSpPr>
-          <p:cNvPr id="6" name="Titre 1"/>
-          <p:cNvSpPr>
-            <a:spLocks noGrp="1"/>
-          </p:cNvSpPr>
-          <p:nvPr>
-            <p:ph type="title"/>
-          </p:nvPr>
-        </p:nvSpPr>
-        <p:spPr>
-          <a:xfrm>
-            <a:off x="1141413" y="8918"/>
-            <a:ext cx="10092644" cy="1478570"/>
-          </a:xfrm>
-        </p:spPr>
-        <p:txBody>
-          <a:bodyPr/>
-          <a:lstStyle/>
-          <a:p>
-            <a:pPr marL="857250" indent="-857250">
-              <a:buFont typeface="+mj-lt"/>
-              <a:buAutoNum type="romanUcPeriod" startAt="4"/>
-            </a:pPr>
-            <a:r>
-              <a:rPr lang="fr-FR" dirty="0"/>
-              <a:t>Comment avoir des nouvelles de notre rapport envoyé pour validation ?</a:t>
-            </a:r>
           </a:p>
         </p:txBody>
       </p:sp>
@@ -18959,6 +18957,37 @@
       </p:grpSpPr>
       <p:sp>
         <p:nvSpPr>
+          <p:cNvPr id="6" name="Titre 1"/>
+          <p:cNvSpPr>
+            <a:spLocks noGrp="1"/>
+          </p:cNvSpPr>
+          <p:nvPr>
+            <p:ph type="title"/>
+          </p:nvPr>
+        </p:nvSpPr>
+        <p:spPr>
+          <a:xfrm>
+            <a:off x="1141413" y="8918"/>
+            <a:ext cx="10092644" cy="1478570"/>
+          </a:xfrm>
+        </p:spPr>
+        <p:txBody>
+          <a:bodyPr/>
+          <a:lstStyle/>
+          <a:p>
+            <a:pPr marL="857250" indent="-857250">
+              <a:buFont typeface="+mj-lt"/>
+              <a:buAutoNum type="romanUcPeriod" startAt="4"/>
+            </a:pPr>
+            <a:r>
+              <a:rPr lang="fr-FR" dirty="0"/>
+              <a:t>Comment avoir des nouvelles de notre rapport envoyé pour validation ?</a:t>
+            </a:r>
+          </a:p>
+        </p:txBody>
+      </p:sp>
+      <p:sp>
+        <p:nvSpPr>
           <p:cNvPr id="3" name="Espace réservé du contenu 2"/>
           <p:cNvSpPr>
             <a:spLocks noGrp="1"/>
@@ -18989,37 +19018,6 @@
             <a:r>
               <a:rPr lang="fr-FR" sz="2800" dirty="0" smtClean="0"/>
               <a:t>Sur la barre d’état de la plateforme</a:t>
-            </a:r>
-          </a:p>
-        </p:txBody>
-      </p:sp>
-      <p:sp>
-        <p:nvSpPr>
-          <p:cNvPr id="6" name="Titre 1"/>
-          <p:cNvSpPr>
-            <a:spLocks noGrp="1"/>
-          </p:cNvSpPr>
-          <p:nvPr>
-            <p:ph type="title"/>
-          </p:nvPr>
-        </p:nvSpPr>
-        <p:spPr>
-          <a:xfrm>
-            <a:off x="1141413" y="8918"/>
-            <a:ext cx="10092644" cy="1478570"/>
-          </a:xfrm>
-        </p:spPr>
-        <p:txBody>
-          <a:bodyPr/>
-          <a:lstStyle/>
-          <a:p>
-            <a:pPr marL="857250" indent="-857250">
-              <a:buFont typeface="+mj-lt"/>
-              <a:buAutoNum type="romanUcPeriod" startAt="4"/>
-            </a:pPr>
-            <a:r>
-              <a:rPr lang="fr-FR" dirty="0"/>
-              <a:t>Comment avoir des nouvelles de notre rapport envoyé pour validation ?</a:t>
             </a:r>
           </a:p>
         </p:txBody>
@@ -19333,6 +19331,37 @@
       </p:grpSpPr>
       <p:sp>
         <p:nvSpPr>
+          <p:cNvPr id="6" name="Titre 1"/>
+          <p:cNvSpPr>
+            <a:spLocks noGrp="1"/>
+          </p:cNvSpPr>
+          <p:nvPr>
+            <p:ph type="title"/>
+          </p:nvPr>
+        </p:nvSpPr>
+        <p:spPr>
+          <a:xfrm>
+            <a:off x="1141413" y="8918"/>
+            <a:ext cx="10092644" cy="1478570"/>
+          </a:xfrm>
+        </p:spPr>
+        <p:txBody>
+          <a:bodyPr/>
+          <a:lstStyle/>
+          <a:p>
+            <a:pPr marL="857250" indent="-857250">
+              <a:buFont typeface="+mj-lt"/>
+              <a:buAutoNum type="romanUcPeriod" startAt="4"/>
+            </a:pPr>
+            <a:r>
+              <a:rPr lang="fr-FR" dirty="0"/>
+              <a:t>Comment avoir des nouvelles de notre rapport envoyé pour validation ?</a:t>
+            </a:r>
+          </a:p>
+        </p:txBody>
+      </p:sp>
+      <p:sp>
+        <p:nvSpPr>
           <p:cNvPr id="3" name="Espace réservé du contenu 2"/>
           <p:cNvSpPr>
             <a:spLocks noGrp="1"/>
@@ -19365,37 +19394,6 @@
               <a:t>Dans le Tableau de Bord</a:t>
             </a:r>
             <a:endParaRPr lang="fr-FR" sz="2800" dirty="0"/>
-          </a:p>
-        </p:txBody>
-      </p:sp>
-      <p:sp>
-        <p:nvSpPr>
-          <p:cNvPr id="6" name="Titre 1"/>
-          <p:cNvSpPr>
-            <a:spLocks noGrp="1"/>
-          </p:cNvSpPr>
-          <p:nvPr>
-            <p:ph type="title"/>
-          </p:nvPr>
-        </p:nvSpPr>
-        <p:spPr>
-          <a:xfrm>
-            <a:off x="1141413" y="8918"/>
-            <a:ext cx="10092644" cy="1478570"/>
-          </a:xfrm>
-        </p:spPr>
-        <p:txBody>
-          <a:bodyPr/>
-          <a:lstStyle/>
-          <a:p>
-            <a:pPr marL="857250" indent="-857250">
-              <a:buFont typeface="+mj-lt"/>
-              <a:buAutoNum type="romanUcPeriod" startAt="4"/>
-            </a:pPr>
-            <a:r>
-              <a:rPr lang="fr-FR" dirty="0"/>
-              <a:t>Comment avoir des nouvelles de notre rapport envoyé pour validation ?</a:t>
-            </a:r>
           </a:p>
         </p:txBody>
       </p:sp>
@@ -20043,6 +20041,42 @@
       </p:grpSpPr>
       <p:sp>
         <p:nvSpPr>
+          <p:cNvPr id="10" name="Titre 1"/>
+          <p:cNvSpPr>
+            <a:spLocks noGrp="1"/>
+          </p:cNvSpPr>
+          <p:nvPr>
+            <p:ph type="title"/>
+          </p:nvPr>
+        </p:nvSpPr>
+        <p:spPr>
+          <a:xfrm>
+            <a:off x="1141412" y="325361"/>
+            <a:ext cx="9905998" cy="923679"/>
+          </a:xfrm>
+        </p:spPr>
+        <p:txBody>
+          <a:bodyPr/>
+          <a:lstStyle/>
+          <a:p>
+            <a:pPr marL="857250" indent="-857250">
+              <a:buFont typeface="+mj-lt"/>
+              <a:buAutoNum type="romanUcPeriod" startAt="6"/>
+            </a:pPr>
+            <a:r>
+              <a:rPr lang="fr-FR" dirty="0"/>
+              <a:t>Comment la plateforme fonctionne </a:t>
+            </a:r>
+            <a:r>
+              <a:rPr lang="fr-FR" dirty="0" smtClean="0"/>
+              <a:t>?</a:t>
+            </a:r>
+            <a:endParaRPr lang="fr-FR" dirty="0"/>
+          </a:p>
+        </p:txBody>
+      </p:sp>
+      <p:sp>
+        <p:nvSpPr>
           <p:cNvPr id="3" name="Espace réservé du contenu 2"/>
           <p:cNvSpPr>
             <a:spLocks noGrp="1"/>
@@ -20219,42 +20253,6 @@
           </a:prstGeom>
         </p:spPr>
       </p:pic>
-      <p:sp>
-        <p:nvSpPr>
-          <p:cNvPr id="10" name="Titre 1"/>
-          <p:cNvSpPr>
-            <a:spLocks noGrp="1"/>
-          </p:cNvSpPr>
-          <p:nvPr>
-            <p:ph type="title"/>
-          </p:nvPr>
-        </p:nvSpPr>
-        <p:spPr>
-          <a:xfrm>
-            <a:off x="1141412" y="325361"/>
-            <a:ext cx="9905998" cy="923679"/>
-          </a:xfrm>
-        </p:spPr>
-        <p:txBody>
-          <a:bodyPr/>
-          <a:lstStyle/>
-          <a:p>
-            <a:pPr marL="857250" indent="-857250">
-              <a:buFont typeface="+mj-lt"/>
-              <a:buAutoNum type="romanUcPeriod" startAt="6"/>
-            </a:pPr>
-            <a:r>
-              <a:rPr lang="fr-FR" dirty="0"/>
-              <a:t>Comment la plateforme fonctionne </a:t>
-            </a:r>
-            <a:r>
-              <a:rPr lang="fr-FR" dirty="0" smtClean="0"/>
-              <a:t>?</a:t>
-            </a:r>
-            <a:endParaRPr lang="fr-FR" dirty="0"/>
-          </a:p>
-        </p:txBody>
-      </p:sp>
     </p:spTree>
     <p:extLst>
       <p:ext uri="{BB962C8B-B14F-4D97-AF65-F5344CB8AC3E}">
@@ -20294,6 +20292,42 @@
       </p:grpSpPr>
       <p:sp>
         <p:nvSpPr>
+          <p:cNvPr id="17" name="Titre 1"/>
+          <p:cNvSpPr>
+            <a:spLocks noGrp="1"/>
+          </p:cNvSpPr>
+          <p:nvPr>
+            <p:ph type="title"/>
+          </p:nvPr>
+        </p:nvSpPr>
+        <p:spPr>
+          <a:xfrm>
+            <a:off x="1141413" y="371249"/>
+            <a:ext cx="9905998" cy="841792"/>
+          </a:xfrm>
+        </p:spPr>
+        <p:txBody>
+          <a:bodyPr/>
+          <a:lstStyle/>
+          <a:p>
+            <a:pPr marL="857250" indent="-857250">
+              <a:buFont typeface="+mj-lt"/>
+              <a:buAutoNum type="romanUcPeriod" startAt="6"/>
+            </a:pPr>
+            <a:r>
+              <a:rPr lang="fr-FR" dirty="0"/>
+              <a:t>Comment la plateforme fonctionne </a:t>
+            </a:r>
+            <a:r>
+              <a:rPr lang="fr-FR" dirty="0" smtClean="0"/>
+              <a:t>?</a:t>
+            </a:r>
+            <a:endParaRPr lang="fr-FR" dirty="0"/>
+          </a:p>
+        </p:txBody>
+      </p:sp>
+      <p:sp>
+        <p:nvSpPr>
           <p:cNvPr id="3" name="Espace réservé du contenu 2"/>
           <p:cNvSpPr>
             <a:spLocks noGrp="1"/>
@@ -20354,42 +20388,6 @@
           </a:prstGeom>
         </p:spPr>
       </p:pic>
-      <p:sp>
-        <p:nvSpPr>
-          <p:cNvPr id="17" name="Titre 1"/>
-          <p:cNvSpPr>
-            <a:spLocks noGrp="1"/>
-          </p:cNvSpPr>
-          <p:nvPr>
-            <p:ph type="title"/>
-          </p:nvPr>
-        </p:nvSpPr>
-        <p:spPr>
-          <a:xfrm>
-            <a:off x="1141413" y="371249"/>
-            <a:ext cx="9905998" cy="841792"/>
-          </a:xfrm>
-        </p:spPr>
-        <p:txBody>
-          <a:bodyPr/>
-          <a:lstStyle/>
-          <a:p>
-            <a:pPr marL="857250" indent="-857250">
-              <a:buFont typeface="+mj-lt"/>
-              <a:buAutoNum type="romanUcPeriod" startAt="6"/>
-            </a:pPr>
-            <a:r>
-              <a:rPr lang="fr-FR" dirty="0"/>
-              <a:t>Comment la plateforme fonctionne </a:t>
-            </a:r>
-            <a:r>
-              <a:rPr lang="fr-FR" dirty="0" smtClean="0"/>
-              <a:t>?</a:t>
-            </a:r>
-            <a:endParaRPr lang="fr-FR" dirty="0"/>
-          </a:p>
-        </p:txBody>
-      </p:sp>
     </p:spTree>
     <p:extLst>
       <p:ext uri="{BB962C8B-B14F-4D97-AF65-F5344CB8AC3E}">
@@ -20429,6 +20427,42 @@
       </p:grpSpPr>
       <p:sp>
         <p:nvSpPr>
+          <p:cNvPr id="8" name="Titre 1"/>
+          <p:cNvSpPr>
+            <a:spLocks noGrp="1"/>
+          </p:cNvSpPr>
+          <p:nvPr>
+            <p:ph type="title"/>
+          </p:nvPr>
+        </p:nvSpPr>
+        <p:spPr>
+          <a:xfrm>
+            <a:off x="1141412" y="325361"/>
+            <a:ext cx="9905998" cy="923679"/>
+          </a:xfrm>
+        </p:spPr>
+        <p:txBody>
+          <a:bodyPr/>
+          <a:lstStyle/>
+          <a:p>
+            <a:pPr marL="857250" indent="-857250">
+              <a:buFont typeface="+mj-lt"/>
+              <a:buAutoNum type="romanUcPeriod" startAt="6"/>
+            </a:pPr>
+            <a:r>
+              <a:rPr lang="fr-FR" dirty="0"/>
+              <a:t>Comment la plateforme fonctionne </a:t>
+            </a:r>
+            <a:r>
+              <a:rPr lang="fr-FR" dirty="0" smtClean="0"/>
+              <a:t>?</a:t>
+            </a:r>
+            <a:endParaRPr lang="fr-FR" dirty="0"/>
+          </a:p>
+        </p:txBody>
+      </p:sp>
+      <p:sp>
+        <p:nvSpPr>
           <p:cNvPr id="3" name="Espace réservé du contenu 2"/>
           <p:cNvSpPr>
             <a:spLocks noGrp="1"/>
@@ -20503,42 +20537,6 @@
           </a:ln>
         </p:spPr>
       </p:pic>
-      <p:sp>
-        <p:nvSpPr>
-          <p:cNvPr id="8" name="Titre 1"/>
-          <p:cNvSpPr>
-            <a:spLocks noGrp="1"/>
-          </p:cNvSpPr>
-          <p:nvPr>
-            <p:ph type="title"/>
-          </p:nvPr>
-        </p:nvSpPr>
-        <p:spPr>
-          <a:xfrm>
-            <a:off x="1141412" y="325361"/>
-            <a:ext cx="9905998" cy="923679"/>
-          </a:xfrm>
-        </p:spPr>
-        <p:txBody>
-          <a:bodyPr/>
-          <a:lstStyle/>
-          <a:p>
-            <a:pPr marL="857250" indent="-857250">
-              <a:buFont typeface="+mj-lt"/>
-              <a:buAutoNum type="romanUcPeriod" startAt="6"/>
-            </a:pPr>
-            <a:r>
-              <a:rPr lang="fr-FR" dirty="0"/>
-              <a:t>Comment la plateforme fonctionne </a:t>
-            </a:r>
-            <a:r>
-              <a:rPr lang="fr-FR" dirty="0" smtClean="0"/>
-              <a:t>?</a:t>
-            </a:r>
-            <a:endParaRPr lang="fr-FR" dirty="0"/>
-          </a:p>
-        </p:txBody>
-      </p:sp>
     </p:spTree>
     <p:extLst>
       <p:ext uri="{BB962C8B-B14F-4D97-AF65-F5344CB8AC3E}">
@@ -20576,6 +20574,42 @@
           <a:chExt cx="0" cy="0"/>
         </a:xfrm>
       </p:grpSpPr>
+      <p:sp>
+        <p:nvSpPr>
+          <p:cNvPr id="9" name="Titre 1"/>
+          <p:cNvSpPr>
+            <a:spLocks noGrp="1"/>
+          </p:cNvSpPr>
+          <p:nvPr>
+            <p:ph type="title"/>
+          </p:nvPr>
+        </p:nvSpPr>
+        <p:spPr>
+          <a:xfrm>
+            <a:off x="1141412" y="325361"/>
+            <a:ext cx="9905998" cy="923679"/>
+          </a:xfrm>
+        </p:spPr>
+        <p:txBody>
+          <a:bodyPr/>
+          <a:lstStyle/>
+          <a:p>
+            <a:pPr marL="857250" indent="-857250">
+              <a:buFont typeface="+mj-lt"/>
+              <a:buAutoNum type="romanUcPeriod" startAt="6"/>
+            </a:pPr>
+            <a:r>
+              <a:rPr lang="fr-FR" dirty="0"/>
+              <a:t>Comment la plateforme fonctionne </a:t>
+            </a:r>
+            <a:r>
+              <a:rPr lang="fr-FR" dirty="0" smtClean="0"/>
+              <a:t>?</a:t>
+            </a:r>
+            <a:endParaRPr lang="fr-FR" dirty="0"/>
+          </a:p>
+        </p:txBody>
+      </p:sp>
       <p:sp>
         <p:nvSpPr>
           <p:cNvPr id="3" name="Espace réservé du contenu 2"/>
@@ -20834,42 +20868,6 @@
           </a:prstGeom>
         </p:spPr>
       </p:pic>
-      <p:sp>
-        <p:nvSpPr>
-          <p:cNvPr id="9" name="Titre 1"/>
-          <p:cNvSpPr>
-            <a:spLocks noGrp="1"/>
-          </p:cNvSpPr>
-          <p:nvPr>
-            <p:ph type="title"/>
-          </p:nvPr>
-        </p:nvSpPr>
-        <p:spPr>
-          <a:xfrm>
-            <a:off x="1141412" y="325361"/>
-            <a:ext cx="9905998" cy="923679"/>
-          </a:xfrm>
-        </p:spPr>
-        <p:txBody>
-          <a:bodyPr/>
-          <a:lstStyle/>
-          <a:p>
-            <a:pPr marL="857250" indent="-857250">
-              <a:buFont typeface="+mj-lt"/>
-              <a:buAutoNum type="romanUcPeriod" startAt="6"/>
-            </a:pPr>
-            <a:r>
-              <a:rPr lang="fr-FR" dirty="0"/>
-              <a:t>Comment la plateforme fonctionne </a:t>
-            </a:r>
-            <a:r>
-              <a:rPr lang="fr-FR" dirty="0" smtClean="0"/>
-              <a:t>?</a:t>
-            </a:r>
-            <a:endParaRPr lang="fr-FR" dirty="0"/>
-          </a:p>
-        </p:txBody>
-      </p:sp>
       <p:pic>
         <p:nvPicPr>
           <p:cNvPr id="10" name="Image 9"/>
@@ -20931,6 +20929,42 @@
       </p:grpSpPr>
       <p:sp>
         <p:nvSpPr>
+          <p:cNvPr id="6" name="Titre 1"/>
+          <p:cNvSpPr>
+            <a:spLocks noGrp="1"/>
+          </p:cNvSpPr>
+          <p:nvPr>
+            <p:ph type="title"/>
+          </p:nvPr>
+        </p:nvSpPr>
+        <p:spPr>
+          <a:xfrm>
+            <a:off x="1141412" y="325361"/>
+            <a:ext cx="9905998" cy="923679"/>
+          </a:xfrm>
+        </p:spPr>
+        <p:txBody>
+          <a:bodyPr/>
+          <a:lstStyle/>
+          <a:p>
+            <a:pPr marL="857250" indent="-857250">
+              <a:buFont typeface="+mj-lt"/>
+              <a:buAutoNum type="romanUcPeriod" startAt="6"/>
+            </a:pPr>
+            <a:r>
+              <a:rPr lang="fr-FR" dirty="0"/>
+              <a:t>Comment la plateforme fonctionne </a:t>
+            </a:r>
+            <a:r>
+              <a:rPr lang="fr-FR" dirty="0" smtClean="0"/>
+              <a:t>?</a:t>
+            </a:r>
+            <a:endParaRPr lang="fr-FR" dirty="0"/>
+          </a:p>
+        </p:txBody>
+      </p:sp>
+      <p:sp>
+        <p:nvSpPr>
           <p:cNvPr id="3" name="Espace réservé du contenu 2"/>
           <p:cNvSpPr>
             <a:spLocks noGrp="1"/>
@@ -21032,42 +21066,6 @@
           </a:prstGeom>
         </p:spPr>
       </p:pic>
-      <p:sp>
-        <p:nvSpPr>
-          <p:cNvPr id="6" name="Titre 1"/>
-          <p:cNvSpPr>
-            <a:spLocks noGrp="1"/>
-          </p:cNvSpPr>
-          <p:nvPr>
-            <p:ph type="title"/>
-          </p:nvPr>
-        </p:nvSpPr>
-        <p:spPr>
-          <a:xfrm>
-            <a:off x="1141412" y="325361"/>
-            <a:ext cx="9905998" cy="923679"/>
-          </a:xfrm>
-        </p:spPr>
-        <p:txBody>
-          <a:bodyPr/>
-          <a:lstStyle/>
-          <a:p>
-            <a:pPr marL="857250" indent="-857250">
-              <a:buFont typeface="+mj-lt"/>
-              <a:buAutoNum type="romanUcPeriod" startAt="6"/>
-            </a:pPr>
-            <a:r>
-              <a:rPr lang="fr-FR" dirty="0"/>
-              <a:t>Comment la plateforme fonctionne </a:t>
-            </a:r>
-            <a:r>
-              <a:rPr lang="fr-FR" dirty="0" smtClean="0"/>
-              <a:t>?</a:t>
-            </a:r>
-            <a:endParaRPr lang="fr-FR" dirty="0"/>
-          </a:p>
-        </p:txBody>
-      </p:sp>
     </p:spTree>
     <p:extLst>
       <p:ext uri="{BB962C8B-B14F-4D97-AF65-F5344CB8AC3E}">
@@ -21110,7 +21108,7 @@
           <p:cNvPr id="2" name="Titre 1">
             <a:extLst>
               <a:ext uri="{FF2B5EF4-FFF2-40B4-BE49-F238E27FC236}">
-                <a16:creationId xmlns="" xmlns:a16="http://schemas.microsoft.com/office/drawing/2014/main" id="{34DB6CE4-2B13-4715-B5B2-615A55922CA1}"/>
+                <a16:creationId xmlns:a16="http://schemas.microsoft.com/office/drawing/2014/main" xmlns="" id="{34DB6CE4-2B13-4715-B5B2-615A55922CA1}"/>
               </a:ext>
             </a:extLst>
           </p:cNvPr>
@@ -21329,6 +21327,42 @@
       </p:grpSpPr>
       <p:sp>
         <p:nvSpPr>
+          <p:cNvPr id="6" name="Titre 1"/>
+          <p:cNvSpPr>
+            <a:spLocks noGrp="1"/>
+          </p:cNvSpPr>
+          <p:nvPr>
+            <p:ph type="title"/>
+          </p:nvPr>
+        </p:nvSpPr>
+        <p:spPr>
+          <a:xfrm>
+            <a:off x="1141412" y="325361"/>
+            <a:ext cx="9905998" cy="923679"/>
+          </a:xfrm>
+        </p:spPr>
+        <p:txBody>
+          <a:bodyPr/>
+          <a:lstStyle/>
+          <a:p>
+            <a:pPr marL="857250" indent="-857250">
+              <a:buFont typeface="+mj-lt"/>
+              <a:buAutoNum type="romanUcPeriod" startAt="6"/>
+            </a:pPr>
+            <a:r>
+              <a:rPr lang="fr-FR" dirty="0"/>
+              <a:t>Comment la plateforme fonctionne </a:t>
+            </a:r>
+            <a:r>
+              <a:rPr lang="fr-FR" dirty="0" smtClean="0"/>
+              <a:t>?</a:t>
+            </a:r>
+            <a:endParaRPr lang="fr-FR" dirty="0"/>
+          </a:p>
+        </p:txBody>
+      </p:sp>
+      <p:sp>
+        <p:nvSpPr>
           <p:cNvPr id="3" name="Espace réservé du contenu 2"/>
           <p:cNvSpPr>
             <a:spLocks noGrp="1"/>
@@ -21420,42 +21454,6 @@
           </a:prstGeom>
         </p:spPr>
       </p:pic>
-      <p:sp>
-        <p:nvSpPr>
-          <p:cNvPr id="6" name="Titre 1"/>
-          <p:cNvSpPr>
-            <a:spLocks noGrp="1"/>
-          </p:cNvSpPr>
-          <p:nvPr>
-            <p:ph type="title"/>
-          </p:nvPr>
-        </p:nvSpPr>
-        <p:spPr>
-          <a:xfrm>
-            <a:off x="1141412" y="325361"/>
-            <a:ext cx="9905998" cy="923679"/>
-          </a:xfrm>
-        </p:spPr>
-        <p:txBody>
-          <a:bodyPr/>
-          <a:lstStyle/>
-          <a:p>
-            <a:pPr marL="857250" indent="-857250">
-              <a:buFont typeface="+mj-lt"/>
-              <a:buAutoNum type="romanUcPeriod" startAt="6"/>
-            </a:pPr>
-            <a:r>
-              <a:rPr lang="fr-FR" dirty="0"/>
-              <a:t>Comment la plateforme fonctionne </a:t>
-            </a:r>
-            <a:r>
-              <a:rPr lang="fr-FR" dirty="0" smtClean="0"/>
-              <a:t>?</a:t>
-            </a:r>
-            <a:endParaRPr lang="fr-FR" dirty="0"/>
-          </a:p>
-        </p:txBody>
-      </p:sp>
     </p:spTree>
     <p:extLst>
       <p:ext uri="{BB962C8B-B14F-4D97-AF65-F5344CB8AC3E}">
@@ -21495,6 +21493,42 @@
       </p:grpSpPr>
       <p:sp>
         <p:nvSpPr>
+          <p:cNvPr id="7" name="Titre 1"/>
+          <p:cNvSpPr>
+            <a:spLocks noGrp="1"/>
+          </p:cNvSpPr>
+          <p:nvPr>
+            <p:ph type="title"/>
+          </p:nvPr>
+        </p:nvSpPr>
+        <p:spPr>
+          <a:xfrm>
+            <a:off x="1141412" y="325361"/>
+            <a:ext cx="9905998" cy="923679"/>
+          </a:xfrm>
+        </p:spPr>
+        <p:txBody>
+          <a:bodyPr/>
+          <a:lstStyle/>
+          <a:p>
+            <a:pPr marL="857250" indent="-857250">
+              <a:buFont typeface="+mj-lt"/>
+              <a:buAutoNum type="romanUcPeriod" startAt="6"/>
+            </a:pPr>
+            <a:r>
+              <a:rPr lang="fr-FR" dirty="0"/>
+              <a:t>Comment la plateforme fonctionne </a:t>
+            </a:r>
+            <a:r>
+              <a:rPr lang="fr-FR" dirty="0" smtClean="0"/>
+              <a:t>?</a:t>
+            </a:r>
+            <a:endParaRPr lang="fr-FR" dirty="0"/>
+          </a:p>
+        </p:txBody>
+      </p:sp>
+      <p:sp>
+        <p:nvSpPr>
           <p:cNvPr id="3" name="Espace réservé du contenu 2"/>
           <p:cNvSpPr>
             <a:spLocks noGrp="1"/>
@@ -21605,42 +21639,6 @@
           </a:prstGeom>
         </p:spPr>
       </p:pic>
-      <p:sp>
-        <p:nvSpPr>
-          <p:cNvPr id="7" name="Titre 1"/>
-          <p:cNvSpPr>
-            <a:spLocks noGrp="1"/>
-          </p:cNvSpPr>
-          <p:nvPr>
-            <p:ph type="title"/>
-          </p:nvPr>
-        </p:nvSpPr>
-        <p:spPr>
-          <a:xfrm>
-            <a:off x="1141412" y="325361"/>
-            <a:ext cx="9905998" cy="923679"/>
-          </a:xfrm>
-        </p:spPr>
-        <p:txBody>
-          <a:bodyPr/>
-          <a:lstStyle/>
-          <a:p>
-            <a:pPr marL="857250" indent="-857250">
-              <a:buFont typeface="+mj-lt"/>
-              <a:buAutoNum type="romanUcPeriod" startAt="6"/>
-            </a:pPr>
-            <a:r>
-              <a:rPr lang="fr-FR" dirty="0"/>
-              <a:t>Comment la plateforme fonctionne </a:t>
-            </a:r>
-            <a:r>
-              <a:rPr lang="fr-FR" dirty="0" smtClean="0"/>
-              <a:t>?</a:t>
-            </a:r>
-            <a:endParaRPr lang="fr-FR" dirty="0"/>
-          </a:p>
-        </p:txBody>
-      </p:sp>
     </p:spTree>
     <p:extLst>
       <p:ext uri="{BB962C8B-B14F-4D97-AF65-F5344CB8AC3E}">
@@ -21680,6 +21678,42 @@
       </p:grpSpPr>
       <p:sp>
         <p:nvSpPr>
+          <p:cNvPr id="9" name="Titre 1"/>
+          <p:cNvSpPr>
+            <a:spLocks noGrp="1"/>
+          </p:cNvSpPr>
+          <p:nvPr>
+            <p:ph type="title"/>
+          </p:nvPr>
+        </p:nvSpPr>
+        <p:spPr>
+          <a:xfrm>
+            <a:off x="1141412" y="325361"/>
+            <a:ext cx="9905998" cy="923679"/>
+          </a:xfrm>
+        </p:spPr>
+        <p:txBody>
+          <a:bodyPr/>
+          <a:lstStyle/>
+          <a:p>
+            <a:pPr marL="857250" indent="-857250">
+              <a:buFont typeface="+mj-lt"/>
+              <a:buAutoNum type="romanUcPeriod" startAt="6"/>
+            </a:pPr>
+            <a:r>
+              <a:rPr lang="fr-FR" dirty="0"/>
+              <a:t>Comment la plateforme fonctionne </a:t>
+            </a:r>
+            <a:r>
+              <a:rPr lang="fr-FR" dirty="0" smtClean="0"/>
+              <a:t>?</a:t>
+            </a:r>
+            <a:endParaRPr lang="fr-FR" dirty="0"/>
+          </a:p>
+        </p:txBody>
+      </p:sp>
+      <p:sp>
+        <p:nvSpPr>
           <p:cNvPr id="3" name="Espace réservé du contenu 2"/>
           <p:cNvSpPr>
             <a:spLocks noGrp="1"/>
@@ -21718,42 +21752,6 @@
               <a:buNone/>
             </a:pPr>
             <a:endParaRPr lang="fr-FR" sz="3200" dirty="0"/>
-          </a:p>
-        </p:txBody>
-      </p:sp>
-      <p:sp>
-        <p:nvSpPr>
-          <p:cNvPr id="9" name="Titre 1"/>
-          <p:cNvSpPr>
-            <a:spLocks noGrp="1"/>
-          </p:cNvSpPr>
-          <p:nvPr>
-            <p:ph type="title"/>
-          </p:nvPr>
-        </p:nvSpPr>
-        <p:spPr>
-          <a:xfrm>
-            <a:off x="1141412" y="325361"/>
-            <a:ext cx="9905998" cy="923679"/>
-          </a:xfrm>
-        </p:spPr>
-        <p:txBody>
-          <a:bodyPr/>
-          <a:lstStyle/>
-          <a:p>
-            <a:pPr marL="857250" indent="-857250">
-              <a:buFont typeface="+mj-lt"/>
-              <a:buAutoNum type="romanUcPeriod" startAt="6"/>
-            </a:pPr>
-            <a:r>
-              <a:rPr lang="fr-FR" dirty="0"/>
-              <a:t>Comment la plateforme fonctionne </a:t>
-            </a:r>
-            <a:r>
-              <a:rPr lang="fr-FR" dirty="0" smtClean="0"/>
-              <a:t>?</a:t>
-            </a:r>
-            <a:endParaRPr lang="fr-FR" dirty="0"/>
           </a:p>
         </p:txBody>
       </p:sp>
@@ -21829,6 +21827,42 @@
       </p:grpSpPr>
       <p:sp>
         <p:nvSpPr>
+          <p:cNvPr id="7" name="Titre 1"/>
+          <p:cNvSpPr>
+            <a:spLocks noGrp="1"/>
+          </p:cNvSpPr>
+          <p:nvPr>
+            <p:ph type="title"/>
+          </p:nvPr>
+        </p:nvSpPr>
+        <p:spPr>
+          <a:xfrm>
+            <a:off x="1141412" y="325361"/>
+            <a:ext cx="9905998" cy="923679"/>
+          </a:xfrm>
+        </p:spPr>
+        <p:txBody>
+          <a:bodyPr/>
+          <a:lstStyle/>
+          <a:p>
+            <a:pPr marL="857250" indent="-857250">
+              <a:buFont typeface="+mj-lt"/>
+              <a:buAutoNum type="romanUcPeriod" startAt="6"/>
+            </a:pPr>
+            <a:r>
+              <a:rPr lang="fr-FR" dirty="0"/>
+              <a:t>Comment la plateforme fonctionne </a:t>
+            </a:r>
+            <a:r>
+              <a:rPr lang="fr-FR" dirty="0" smtClean="0"/>
+              <a:t>?</a:t>
+            </a:r>
+            <a:endParaRPr lang="fr-FR" dirty="0"/>
+          </a:p>
+        </p:txBody>
+      </p:sp>
+      <p:sp>
+        <p:nvSpPr>
           <p:cNvPr id="3" name="Espace réservé du contenu 2"/>
           <p:cNvSpPr>
             <a:spLocks noGrp="1"/>
@@ -21926,42 +21960,6 @@
               <a:buNone/>
             </a:pPr>
             <a:endParaRPr lang="fr-FR" sz="3200" dirty="0"/>
-          </a:p>
-        </p:txBody>
-      </p:sp>
-      <p:sp>
-        <p:nvSpPr>
-          <p:cNvPr id="7" name="Titre 1"/>
-          <p:cNvSpPr>
-            <a:spLocks noGrp="1"/>
-          </p:cNvSpPr>
-          <p:nvPr>
-            <p:ph type="title"/>
-          </p:nvPr>
-        </p:nvSpPr>
-        <p:spPr>
-          <a:xfrm>
-            <a:off x="1141412" y="325361"/>
-            <a:ext cx="9905998" cy="923679"/>
-          </a:xfrm>
-        </p:spPr>
-        <p:txBody>
-          <a:bodyPr/>
-          <a:lstStyle/>
-          <a:p>
-            <a:pPr marL="857250" indent="-857250">
-              <a:buFont typeface="+mj-lt"/>
-              <a:buAutoNum type="romanUcPeriod" startAt="6"/>
-            </a:pPr>
-            <a:r>
-              <a:rPr lang="fr-FR" dirty="0"/>
-              <a:t>Comment la plateforme fonctionne </a:t>
-            </a:r>
-            <a:r>
-              <a:rPr lang="fr-FR" dirty="0" smtClean="0"/>
-              <a:t>?</a:t>
-            </a:r>
-            <a:endParaRPr lang="fr-FR" dirty="0"/>
           </a:p>
         </p:txBody>
       </p:sp>
@@ -22037,6 +22035,42 @@
       </p:grpSpPr>
       <p:sp>
         <p:nvSpPr>
+          <p:cNvPr id="7" name="Titre 1"/>
+          <p:cNvSpPr>
+            <a:spLocks noGrp="1"/>
+          </p:cNvSpPr>
+          <p:nvPr>
+            <p:ph type="title"/>
+          </p:nvPr>
+        </p:nvSpPr>
+        <p:spPr>
+          <a:xfrm>
+            <a:off x="1141412" y="325361"/>
+            <a:ext cx="9905998" cy="923679"/>
+          </a:xfrm>
+        </p:spPr>
+        <p:txBody>
+          <a:bodyPr/>
+          <a:lstStyle/>
+          <a:p>
+            <a:pPr marL="857250" indent="-857250">
+              <a:buFont typeface="+mj-lt"/>
+              <a:buAutoNum type="romanUcPeriod" startAt="6"/>
+            </a:pPr>
+            <a:r>
+              <a:rPr lang="fr-FR" dirty="0"/>
+              <a:t>Comment la plateforme fonctionne </a:t>
+            </a:r>
+            <a:r>
+              <a:rPr lang="fr-FR" dirty="0" smtClean="0"/>
+              <a:t>?</a:t>
+            </a:r>
+            <a:endParaRPr lang="fr-FR" dirty="0"/>
+          </a:p>
+        </p:txBody>
+      </p:sp>
+      <p:sp>
+        <p:nvSpPr>
           <p:cNvPr id="3" name="Espace réservé du contenu 2"/>
           <p:cNvSpPr>
             <a:spLocks noGrp="1"/>
@@ -22129,42 +22163,6 @@
               <a:buNone/>
             </a:pPr>
             <a:endParaRPr lang="fr-FR" sz="3200" dirty="0"/>
-          </a:p>
-        </p:txBody>
-      </p:sp>
-      <p:sp>
-        <p:nvSpPr>
-          <p:cNvPr id="7" name="Titre 1"/>
-          <p:cNvSpPr>
-            <a:spLocks noGrp="1"/>
-          </p:cNvSpPr>
-          <p:nvPr>
-            <p:ph type="title"/>
-          </p:nvPr>
-        </p:nvSpPr>
-        <p:spPr>
-          <a:xfrm>
-            <a:off x="1141412" y="325361"/>
-            <a:ext cx="9905998" cy="923679"/>
-          </a:xfrm>
-        </p:spPr>
-        <p:txBody>
-          <a:bodyPr/>
-          <a:lstStyle/>
-          <a:p>
-            <a:pPr marL="857250" indent="-857250">
-              <a:buFont typeface="+mj-lt"/>
-              <a:buAutoNum type="romanUcPeriod" startAt="6"/>
-            </a:pPr>
-            <a:r>
-              <a:rPr lang="fr-FR" dirty="0"/>
-              <a:t>Comment la plateforme fonctionne </a:t>
-            </a:r>
-            <a:r>
-              <a:rPr lang="fr-FR" dirty="0" smtClean="0"/>
-              <a:t>?</a:t>
-            </a:r>
-            <a:endParaRPr lang="fr-FR" dirty="0"/>
           </a:p>
         </p:txBody>
       </p:sp>
@@ -22240,6 +22238,42 @@
       </p:grpSpPr>
       <p:sp>
         <p:nvSpPr>
+          <p:cNvPr id="7" name="Titre 1"/>
+          <p:cNvSpPr>
+            <a:spLocks noGrp="1"/>
+          </p:cNvSpPr>
+          <p:nvPr>
+            <p:ph type="title"/>
+          </p:nvPr>
+        </p:nvSpPr>
+        <p:spPr>
+          <a:xfrm>
+            <a:off x="1141412" y="325361"/>
+            <a:ext cx="9905998" cy="923679"/>
+          </a:xfrm>
+        </p:spPr>
+        <p:txBody>
+          <a:bodyPr/>
+          <a:lstStyle/>
+          <a:p>
+            <a:pPr marL="857250" indent="-857250">
+              <a:buFont typeface="+mj-lt"/>
+              <a:buAutoNum type="romanUcPeriod" startAt="6"/>
+            </a:pPr>
+            <a:r>
+              <a:rPr lang="fr-FR" dirty="0"/>
+              <a:t>Comment la plateforme fonctionne </a:t>
+            </a:r>
+            <a:r>
+              <a:rPr lang="fr-FR" dirty="0" smtClean="0"/>
+              <a:t>?</a:t>
+            </a:r>
+            <a:endParaRPr lang="fr-FR" dirty="0"/>
+          </a:p>
+        </p:txBody>
+      </p:sp>
+      <p:sp>
+        <p:nvSpPr>
           <p:cNvPr id="3" name="Espace réservé du contenu 2"/>
           <p:cNvSpPr>
             <a:spLocks noGrp="1"/>
@@ -22391,42 +22425,6 @@
           </a:prstGeom>
         </p:spPr>
       </p:pic>
-      <p:sp>
-        <p:nvSpPr>
-          <p:cNvPr id="7" name="Titre 1"/>
-          <p:cNvSpPr>
-            <a:spLocks noGrp="1"/>
-          </p:cNvSpPr>
-          <p:nvPr>
-            <p:ph type="title"/>
-          </p:nvPr>
-        </p:nvSpPr>
-        <p:spPr>
-          <a:xfrm>
-            <a:off x="1141412" y="325361"/>
-            <a:ext cx="9905998" cy="923679"/>
-          </a:xfrm>
-        </p:spPr>
-        <p:txBody>
-          <a:bodyPr/>
-          <a:lstStyle/>
-          <a:p>
-            <a:pPr marL="857250" indent="-857250">
-              <a:buFont typeface="+mj-lt"/>
-              <a:buAutoNum type="romanUcPeriod" startAt="6"/>
-            </a:pPr>
-            <a:r>
-              <a:rPr lang="fr-FR" dirty="0"/>
-              <a:t>Comment la plateforme fonctionne </a:t>
-            </a:r>
-            <a:r>
-              <a:rPr lang="fr-FR" dirty="0" smtClean="0"/>
-              <a:t>?</a:t>
-            </a:r>
-            <a:endParaRPr lang="fr-FR" dirty="0"/>
-          </a:p>
-        </p:txBody>
-      </p:sp>
     </p:spTree>
     <p:extLst>
       <p:ext uri="{BB962C8B-B14F-4D97-AF65-F5344CB8AC3E}">
@@ -22466,6 +22464,42 @@
       </p:grpSpPr>
       <p:sp>
         <p:nvSpPr>
+          <p:cNvPr id="7" name="Titre 1"/>
+          <p:cNvSpPr>
+            <a:spLocks noGrp="1"/>
+          </p:cNvSpPr>
+          <p:nvPr>
+            <p:ph type="title"/>
+          </p:nvPr>
+        </p:nvSpPr>
+        <p:spPr>
+          <a:xfrm>
+            <a:off x="1141412" y="325361"/>
+            <a:ext cx="9905998" cy="923679"/>
+          </a:xfrm>
+        </p:spPr>
+        <p:txBody>
+          <a:bodyPr/>
+          <a:lstStyle/>
+          <a:p>
+            <a:pPr marL="857250" indent="-857250">
+              <a:buFont typeface="+mj-lt"/>
+              <a:buAutoNum type="romanUcPeriod" startAt="6"/>
+            </a:pPr>
+            <a:r>
+              <a:rPr lang="fr-FR" dirty="0"/>
+              <a:t>Comment la plateforme fonctionne </a:t>
+            </a:r>
+            <a:r>
+              <a:rPr lang="fr-FR" dirty="0" smtClean="0"/>
+              <a:t>?</a:t>
+            </a:r>
+            <a:endParaRPr lang="fr-FR" dirty="0"/>
+          </a:p>
+        </p:txBody>
+      </p:sp>
+      <p:sp>
+        <p:nvSpPr>
           <p:cNvPr id="3" name="Espace réservé du contenu 2"/>
           <p:cNvSpPr>
             <a:spLocks noGrp="1"/>
@@ -22504,42 +22538,6 @@
               <a:buNone/>
             </a:pPr>
             <a:endParaRPr lang="fr-FR" sz="3200" dirty="0"/>
-          </a:p>
-        </p:txBody>
-      </p:sp>
-      <p:sp>
-        <p:nvSpPr>
-          <p:cNvPr id="7" name="Titre 1"/>
-          <p:cNvSpPr>
-            <a:spLocks noGrp="1"/>
-          </p:cNvSpPr>
-          <p:nvPr>
-            <p:ph type="title"/>
-          </p:nvPr>
-        </p:nvSpPr>
-        <p:spPr>
-          <a:xfrm>
-            <a:off x="1141412" y="325361"/>
-            <a:ext cx="9905998" cy="923679"/>
-          </a:xfrm>
-        </p:spPr>
-        <p:txBody>
-          <a:bodyPr/>
-          <a:lstStyle/>
-          <a:p>
-            <a:pPr marL="857250" indent="-857250">
-              <a:buFont typeface="+mj-lt"/>
-              <a:buAutoNum type="romanUcPeriod" startAt="6"/>
-            </a:pPr>
-            <a:r>
-              <a:rPr lang="fr-FR" dirty="0"/>
-              <a:t>Comment la plateforme fonctionne </a:t>
-            </a:r>
-            <a:r>
-              <a:rPr lang="fr-FR" dirty="0" smtClean="0"/>
-              <a:t>?</a:t>
-            </a:r>
-            <a:endParaRPr lang="fr-FR" dirty="0"/>
           </a:p>
         </p:txBody>
       </p:sp>
@@ -22604,6 +22602,42 @@
       </p:grpSpPr>
       <p:sp>
         <p:nvSpPr>
+          <p:cNvPr id="7" name="Titre 1"/>
+          <p:cNvSpPr>
+            <a:spLocks noGrp="1"/>
+          </p:cNvSpPr>
+          <p:nvPr>
+            <p:ph type="title"/>
+          </p:nvPr>
+        </p:nvSpPr>
+        <p:spPr>
+          <a:xfrm>
+            <a:off x="1141412" y="325361"/>
+            <a:ext cx="9905998" cy="923679"/>
+          </a:xfrm>
+        </p:spPr>
+        <p:txBody>
+          <a:bodyPr/>
+          <a:lstStyle/>
+          <a:p>
+            <a:pPr marL="857250" indent="-857250">
+              <a:buFont typeface="+mj-lt"/>
+              <a:buAutoNum type="romanUcPeriod" startAt="6"/>
+            </a:pPr>
+            <a:r>
+              <a:rPr lang="fr-FR" dirty="0"/>
+              <a:t>Comment la plateforme fonctionne </a:t>
+            </a:r>
+            <a:r>
+              <a:rPr lang="fr-FR" dirty="0" smtClean="0"/>
+              <a:t>?</a:t>
+            </a:r>
+            <a:endParaRPr lang="fr-FR" dirty="0"/>
+          </a:p>
+        </p:txBody>
+      </p:sp>
+      <p:sp>
+        <p:nvSpPr>
           <p:cNvPr id="3" name="Espace réservé du contenu 2"/>
           <p:cNvSpPr>
             <a:spLocks noGrp="1"/>
@@ -22667,42 +22701,6 @@
           </a:prstGeom>
         </p:spPr>
       </p:pic>
-      <p:sp>
-        <p:nvSpPr>
-          <p:cNvPr id="7" name="Titre 1"/>
-          <p:cNvSpPr>
-            <a:spLocks noGrp="1"/>
-          </p:cNvSpPr>
-          <p:nvPr>
-            <p:ph type="title"/>
-          </p:nvPr>
-        </p:nvSpPr>
-        <p:spPr>
-          <a:xfrm>
-            <a:off x="1141412" y="325361"/>
-            <a:ext cx="9905998" cy="923679"/>
-          </a:xfrm>
-        </p:spPr>
-        <p:txBody>
-          <a:bodyPr/>
-          <a:lstStyle/>
-          <a:p>
-            <a:pPr marL="857250" indent="-857250">
-              <a:buFont typeface="+mj-lt"/>
-              <a:buAutoNum type="romanUcPeriod" startAt="6"/>
-            </a:pPr>
-            <a:r>
-              <a:rPr lang="fr-FR" dirty="0"/>
-              <a:t>Comment la plateforme fonctionne </a:t>
-            </a:r>
-            <a:r>
-              <a:rPr lang="fr-FR" dirty="0" smtClean="0"/>
-              <a:t>?</a:t>
-            </a:r>
-            <a:endParaRPr lang="fr-FR" dirty="0"/>
-          </a:p>
-        </p:txBody>
-      </p:sp>
     </p:spTree>
     <p:extLst>
       <p:ext uri="{BB962C8B-B14F-4D97-AF65-F5344CB8AC3E}">
@@ -22742,6 +22740,42 @@
       </p:grpSpPr>
       <p:sp>
         <p:nvSpPr>
+          <p:cNvPr id="6" name="Titre 1"/>
+          <p:cNvSpPr>
+            <a:spLocks noGrp="1"/>
+          </p:cNvSpPr>
+          <p:nvPr>
+            <p:ph type="title"/>
+          </p:nvPr>
+        </p:nvSpPr>
+        <p:spPr>
+          <a:xfrm>
+            <a:off x="1141412" y="325361"/>
+            <a:ext cx="9905998" cy="923679"/>
+          </a:xfrm>
+        </p:spPr>
+        <p:txBody>
+          <a:bodyPr/>
+          <a:lstStyle/>
+          <a:p>
+            <a:pPr marL="857250" indent="-857250">
+              <a:buFont typeface="+mj-lt"/>
+              <a:buAutoNum type="romanUcPeriod" startAt="6"/>
+            </a:pPr>
+            <a:r>
+              <a:rPr lang="fr-FR" dirty="0"/>
+              <a:t>Comment la plateforme fonctionne </a:t>
+            </a:r>
+            <a:r>
+              <a:rPr lang="fr-FR" dirty="0" smtClean="0"/>
+              <a:t>?</a:t>
+            </a:r>
+            <a:endParaRPr lang="fr-FR" dirty="0"/>
+          </a:p>
+        </p:txBody>
+      </p:sp>
+      <p:sp>
+        <p:nvSpPr>
           <p:cNvPr id="3" name="Espace réservé du contenu 2"/>
           <p:cNvSpPr>
             <a:spLocks noGrp="1"/>
@@ -22886,42 +22920,6 @@
           </a:ln>
         </p:spPr>
       </p:pic>
-      <p:sp>
-        <p:nvSpPr>
-          <p:cNvPr id="6" name="Titre 1"/>
-          <p:cNvSpPr>
-            <a:spLocks noGrp="1"/>
-          </p:cNvSpPr>
-          <p:nvPr>
-            <p:ph type="title"/>
-          </p:nvPr>
-        </p:nvSpPr>
-        <p:spPr>
-          <a:xfrm>
-            <a:off x="1141412" y="325361"/>
-            <a:ext cx="9905998" cy="923679"/>
-          </a:xfrm>
-        </p:spPr>
-        <p:txBody>
-          <a:bodyPr/>
-          <a:lstStyle/>
-          <a:p>
-            <a:pPr marL="857250" indent="-857250">
-              <a:buFont typeface="+mj-lt"/>
-              <a:buAutoNum type="romanUcPeriod" startAt="6"/>
-            </a:pPr>
-            <a:r>
-              <a:rPr lang="fr-FR" dirty="0"/>
-              <a:t>Comment la plateforme fonctionne </a:t>
-            </a:r>
-            <a:r>
-              <a:rPr lang="fr-FR" dirty="0" smtClean="0"/>
-              <a:t>?</a:t>
-            </a:r>
-            <a:endParaRPr lang="fr-FR" dirty="0"/>
-          </a:p>
-        </p:txBody>
-      </p:sp>
     </p:spTree>
     <p:extLst>
       <p:ext uri="{BB962C8B-B14F-4D97-AF65-F5344CB8AC3E}">
@@ -23254,7 +23252,7 @@
           <p:cNvPr id="3" name="Losange 11">
             <a:extLst>
               <a:ext uri="{FF2B5EF4-FFF2-40B4-BE49-F238E27FC236}">
-                <a16:creationId xmlns:a16="http://schemas.microsoft.com/office/drawing/2014/main" xmlns="" id="{7DC8B409-5FAC-4539-B25A-26BE925A48AF}"/>
+                <a16:creationId xmlns="" xmlns:a16="http://schemas.microsoft.com/office/drawing/2014/main" id="{7DC8B409-5FAC-4539-B25A-26BE925A48AF}"/>
               </a:ext>
             </a:extLst>
           </p:cNvPr>
@@ -23306,7 +23304,7 @@
           <p:cNvPr id="4" name="Losange 12">
             <a:extLst>
               <a:ext uri="{FF2B5EF4-FFF2-40B4-BE49-F238E27FC236}">
-                <a16:creationId xmlns:a16="http://schemas.microsoft.com/office/drawing/2014/main" xmlns="" id="{91498E2F-539C-46D3-AF7C-BB1DAE76B114}"/>
+                <a16:creationId xmlns="" xmlns:a16="http://schemas.microsoft.com/office/drawing/2014/main" id="{91498E2F-539C-46D3-AF7C-BB1DAE76B114}"/>
               </a:ext>
             </a:extLst>
           </p:cNvPr>
@@ -23358,7 +23356,7 @@
           <p:cNvPr id="5" name="Titre 1">
             <a:extLst>
               <a:ext uri="{FF2B5EF4-FFF2-40B4-BE49-F238E27FC236}">
-                <a16:creationId xmlns:a16="http://schemas.microsoft.com/office/drawing/2014/main" xmlns="" id="{FA061601-468D-486D-B8EE-42BD1BE3ADCC}"/>
+                <a16:creationId xmlns="" xmlns:a16="http://schemas.microsoft.com/office/drawing/2014/main" id="{FA061601-468D-486D-B8EE-42BD1BE3ADCC}"/>
               </a:ext>
             </a:extLst>
           </p:cNvPr>
@@ -24118,104 +24116,6 @@
       </p:grpSpPr>
       <p:sp>
         <p:nvSpPr>
-          <p:cNvPr id="3" name="Espace réservé du contenu 2"/>
-          <p:cNvSpPr>
-            <a:spLocks noGrp="1"/>
-          </p:cNvSpPr>
-          <p:nvPr>
-            <p:ph idx="1"/>
-          </p:nvPr>
-        </p:nvSpPr>
-        <p:spPr>
-          <a:xfrm>
-            <a:off x="1141413" y="1778108"/>
-            <a:ext cx="9905999" cy="4455886"/>
-          </a:xfrm>
-          <a:ln>
-            <a:solidFill>
-              <a:srgbClr val="FFFF00"/>
-            </a:solidFill>
-          </a:ln>
-        </p:spPr>
-        <p:txBody>
-          <a:bodyPr>
-            <a:normAutofit fontScale="92500" lnSpcReduction="20000"/>
-          </a:bodyPr>
-          <a:lstStyle/>
-          <a:p>
-            <a:pPr marL="514350" indent="-514350">
-              <a:buFont typeface="+mj-lt"/>
-              <a:buAutoNum type="arabicPeriod" startAt="4"/>
-            </a:pPr>
-            <a:r>
-              <a:rPr lang="fr-FR" sz="3000" dirty="0" smtClean="0"/>
-              <a:t>Sélectionner le type de rapport (mensuel, trimestriel, annuel, autres)</a:t>
-            </a:r>
-          </a:p>
-          <a:p>
-            <a:pPr marL="514350" indent="-514350">
-              <a:buFont typeface="+mj-lt"/>
-              <a:buAutoNum type="arabicPeriod" startAt="4"/>
-            </a:pPr>
-            <a:r>
-              <a:rPr lang="fr-FR" sz="3000" dirty="0" smtClean="0"/>
-              <a:t>Modifier la période du rapport</a:t>
-            </a:r>
-          </a:p>
-          <a:p>
-            <a:pPr marL="514350" indent="-514350">
-              <a:buFont typeface="+mj-lt"/>
-              <a:buAutoNum type="arabicPeriod" startAt="4"/>
-            </a:pPr>
-            <a:r>
-              <a:rPr lang="fr-FR" sz="3000" dirty="0" smtClean="0"/>
-              <a:t>Choisir le fichier</a:t>
-            </a:r>
-          </a:p>
-          <a:p>
-            <a:pPr marL="514350" indent="-514350">
-              <a:buFont typeface="+mj-lt"/>
-              <a:buAutoNum type="arabicPeriod" startAt="4"/>
-            </a:pPr>
-            <a:r>
-              <a:rPr lang="fr-FR" sz="3000" dirty="0" smtClean="0"/>
-              <a:t>A la case « Avertir les utilisateurs » , choisir :</a:t>
-            </a:r>
-          </a:p>
-          <a:p>
-            <a:pPr>
-              <a:buFontTx/>
-              <a:buChar char="-"/>
-            </a:pPr>
-            <a:r>
-              <a:rPr lang="fr-FR" sz="3000" dirty="0" smtClean="0"/>
-              <a:t>Utilisateur: ARSM (le responsable ARSM correspondant)</a:t>
-            </a:r>
-          </a:p>
-          <a:p>
-            <a:pPr>
-              <a:buFontTx/>
-              <a:buChar char="-"/>
-            </a:pPr>
-            <a:r>
-              <a:rPr lang="fr-FR" sz="3000" dirty="0" smtClean="0"/>
-              <a:t>Rôle : ADMIN</a:t>
-            </a:r>
-          </a:p>
-          <a:p>
-            <a:pPr marL="514350" indent="-514350">
-              <a:buFont typeface="+mj-lt"/>
-              <a:buAutoNum type="arabicPeriod" startAt="8"/>
-            </a:pPr>
-            <a:r>
-              <a:rPr lang="fr-FR" sz="3000" dirty="0" smtClean="0"/>
-              <a:t>Envoyer</a:t>
-            </a:r>
-          </a:p>
-        </p:txBody>
-      </p:sp>
-      <p:sp>
-        <p:nvSpPr>
           <p:cNvPr id="7" name="Titre 1"/>
           <p:cNvSpPr>
             <a:spLocks noGrp="1"/>
@@ -24248,6 +24148,94 @@
               <a:t>Comment ENVOYER NOTRE RAPPORT A L’ARSM en 02 étapes ?</a:t>
             </a:r>
             <a:endParaRPr lang="fr-FR" dirty="0"/>
+          </a:p>
+        </p:txBody>
+      </p:sp>
+      <p:sp>
+        <p:nvSpPr>
+          <p:cNvPr id="3" name="Espace réservé du contenu 2"/>
+          <p:cNvSpPr>
+            <a:spLocks noGrp="1"/>
+          </p:cNvSpPr>
+          <p:nvPr>
+            <p:ph idx="1"/>
+          </p:nvPr>
+        </p:nvSpPr>
+        <p:spPr>
+          <a:xfrm>
+            <a:off x="1141413" y="1778108"/>
+            <a:ext cx="9905999" cy="4455886"/>
+          </a:xfrm>
+          <a:ln>
+            <a:solidFill>
+              <a:srgbClr val="FFFF00"/>
+            </a:solidFill>
+          </a:ln>
+        </p:spPr>
+        <p:txBody>
+          <a:bodyPr>
+            <a:normAutofit/>
+          </a:bodyPr>
+          <a:lstStyle/>
+          <a:p>
+            <a:pPr marL="514350" indent="-514350">
+              <a:buFont typeface="+mj-lt"/>
+              <a:buAutoNum type="arabicPeriod" startAt="4"/>
+            </a:pPr>
+            <a:r>
+              <a:rPr lang="fr-FR" sz="3000" dirty="0" smtClean="0"/>
+              <a:t>Sélectionner le type de rapport (mensuel, trimestriel, annuel, autres)</a:t>
+            </a:r>
+          </a:p>
+          <a:p>
+            <a:pPr marL="514350" indent="-514350">
+              <a:buFont typeface="+mj-lt"/>
+              <a:buAutoNum type="arabicPeriod" startAt="4"/>
+            </a:pPr>
+            <a:r>
+              <a:rPr lang="fr-FR" sz="3000" dirty="0" smtClean="0"/>
+              <a:t>Modifier la période du rapport</a:t>
+            </a:r>
+          </a:p>
+          <a:p>
+            <a:pPr marL="514350" indent="-514350">
+              <a:buFont typeface="+mj-lt"/>
+              <a:buAutoNum type="arabicPeriod" startAt="4"/>
+            </a:pPr>
+            <a:r>
+              <a:rPr lang="fr-FR" sz="3000" dirty="0" smtClean="0"/>
+              <a:t>Choisir le fichier</a:t>
+            </a:r>
+          </a:p>
+          <a:p>
+            <a:pPr marL="514350" indent="-514350">
+              <a:buFont typeface="+mj-lt"/>
+              <a:buAutoNum type="arabicPeriod" startAt="4"/>
+            </a:pPr>
+            <a:r>
+              <a:rPr lang="fr-FR" sz="3000" dirty="0" smtClean="0"/>
+              <a:t>A la case « Avertir les utilisateurs » , choisir </a:t>
+            </a:r>
+            <a:r>
+              <a:rPr lang="fr-FR" sz="3000" dirty="0" smtClean="0"/>
+              <a:t>l</a:t>
+            </a:r>
+            <a:r>
+              <a:rPr lang="fr-FR" sz="3000" dirty="0" smtClean="0"/>
+              <a:t>e ou les responsable(s) ARSM à avertir</a:t>
+            </a:r>
+            <a:endParaRPr lang="fr-FR" sz="3000" dirty="0" smtClean="0"/>
+          </a:p>
+          <a:p>
+            <a:pPr marL="514350" indent="-514350">
+              <a:buFont typeface="+mj-lt"/>
+              <a:buAutoNum type="arabicPeriod" startAt="8"/>
+            </a:pPr>
+            <a:r>
+              <a:rPr lang="fr-FR" sz="3000" dirty="0" smtClean="0"/>
+              <a:t>Envoyer</a:t>
+            </a:r>
+            <a:endParaRPr lang="fr-FR" sz="3000" dirty="0" smtClean="0"/>
           </a:p>
         </p:txBody>
       </p:sp>
